--- a/InsuranceBillingReportGenerator/内製プログラミングによる業務効率化プレゼンテーション資料.pptx
+++ b/InsuranceBillingReportGenerator/内製プログラミングによる業務効率化プレゼンテーション資料.pptx
@@ -14,6 +14,7 @@
     <p:sldId id="264" r:id="rId8"/>
     <p:sldId id="261" r:id="rId9"/>
     <p:sldId id="262" r:id="rId10"/>
+    <p:sldId id="265" r:id="rId11"/>
   </p:sldIdLst>
   <p:sldSz cx="12192000" cy="6858000"/>
   <p:notesSz cx="6858000" cy="9144000"/>
@@ -126,6 +127,7 @@
             <p14:sldId id="264"/>
             <p14:sldId id="261"/>
             <p14:sldId id="262"/>
+            <p14:sldId id="265"/>
           </p14:sldIdLst>
         </p14:section>
         <p14:section name="タイトルなしのセクション" id="{8BC07E35-1DAC-40B0-BE63-74446296C547}">
@@ -3989,14 +3991,14 @@
             <a:t>開発言語：</a:t>
           </a:r>
           <a:r>
-            <a:rPr kumimoji="1" lang="en-US"/>
+            <a:rPr kumimoji="1" lang="en-US" dirty="0"/>
             <a:t>VBA</a:t>
           </a:r>
           <a:r>
             <a:rPr kumimoji="1" lang="ja-JP"/>
             <a:t>（フロントサイドのみコーディング）</a:t>
           </a:r>
-          <a:endParaRPr lang="en-US"/>
+          <a:endParaRPr lang="en-US" dirty="0"/>
         </a:p>
       </dgm:t>
     </dgm:pt>
@@ -7251,14 +7253,14 @@
             <a:t>開発言語：</a:t>
           </a:r>
           <a:r>
-            <a:rPr kumimoji="1" lang="en-US" sz="2200" kern="1200"/>
+            <a:rPr kumimoji="1" lang="en-US" sz="2200" kern="1200" dirty="0"/>
             <a:t>VBA</a:t>
           </a:r>
           <a:r>
             <a:rPr kumimoji="1" lang="ja-JP" sz="2200" kern="1200"/>
             <a:t>（フロントサイドのみコーディング）</a:t>
           </a:r>
-          <a:endParaRPr lang="en-US" sz="2200" kern="1200"/>
+          <a:endParaRPr lang="en-US" sz="2200" kern="1200" dirty="0"/>
         </a:p>
       </dsp:txBody>
       <dsp:txXfrm>
@@ -18390,6 +18392,2004 @@
 </p:sld>
 </file>
 
+<file path=ppt/slides/slide10.xml><?xml version="1.0" encoding="utf-8"?>
+<p:sld xmlns:a="http://schemas.openxmlformats.org/drawingml/2006/main" xmlns:r="http://schemas.openxmlformats.org/officeDocument/2006/relationships" xmlns:p="http://schemas.openxmlformats.org/presentationml/2006/main">
+  <p:cSld>
+    <p:spTree>
+      <p:nvGrpSpPr>
+        <p:cNvPr id="1" name=""/>
+        <p:cNvGrpSpPr/>
+        <p:nvPr/>
+      </p:nvGrpSpPr>
+      <p:grpSpPr>
+        <a:xfrm>
+          <a:off x="0" y="0"/>
+          <a:ext cx="0" cy="0"/>
+          <a:chOff x="0" y="0"/>
+          <a:chExt cx="0" cy="0"/>
+        </a:xfrm>
+      </p:grpSpPr>
+      <p:sp>
+        <p:nvSpPr>
+          <p:cNvPr id="2" name="タイトル 1">
+            <a:extLst>
+              <a:ext uri="{FF2B5EF4-FFF2-40B4-BE49-F238E27FC236}">
+                <a16:creationId xmlns:a16="http://schemas.microsoft.com/office/drawing/2014/main" id="{F90940DB-5BD4-4530-F878-3E4622EE0992}"/>
+              </a:ext>
+            </a:extLst>
+          </p:cNvPr>
+          <p:cNvSpPr>
+            <a:spLocks noGrp="1"/>
+          </p:cNvSpPr>
+          <p:nvPr>
+            <p:ph type="title"/>
+          </p:nvPr>
+        </p:nvSpPr>
+        <p:spPr/>
+        <p:txBody>
+          <a:bodyPr/>
+          <a:lstStyle/>
+          <a:p>
+            <a:r>
+              <a:rPr lang="en-US" altLang="ja-JP" dirty="0"/>
+              <a:t>DX</a:t>
+            </a:r>
+            <a:r>
+              <a:rPr lang="ja-JP" altLang="en-US"/>
+              <a:t>推進・開発指揮系統改正案</a:t>
+            </a:r>
+            <a:endParaRPr kumimoji="1" lang="ja-JP" altLang="en-US"/>
+          </a:p>
+        </p:txBody>
+      </p:sp>
+      <p:sp>
+        <p:nvSpPr>
+          <p:cNvPr id="3" name="コンテンツ プレースホルダー 2">
+            <a:extLst>
+              <a:ext uri="{FF2B5EF4-FFF2-40B4-BE49-F238E27FC236}">
+                <a16:creationId xmlns:a16="http://schemas.microsoft.com/office/drawing/2014/main" id="{E5850E44-30F4-DA7E-C757-1D68402EB0E5}"/>
+              </a:ext>
+            </a:extLst>
+          </p:cNvPr>
+          <p:cNvSpPr>
+            <a:spLocks noGrp="1"/>
+          </p:cNvSpPr>
+          <p:nvPr>
+            <p:ph idx="1"/>
+          </p:nvPr>
+        </p:nvSpPr>
+        <p:spPr>
+          <a:xfrm>
+            <a:off x="4059926" y="3332512"/>
+            <a:ext cx="4072148" cy="363796"/>
+          </a:xfrm>
+          <a:blipFill>
+            <a:blip r:embed="rId2"/>
+            <a:tile tx="0" ty="0" sx="100000" sy="100000" flip="none" algn="tl"/>
+          </a:blipFill>
+          <a:ln>
+            <a:solidFill>
+              <a:schemeClr val="accent1"/>
+            </a:solidFill>
+          </a:ln>
+        </p:spPr>
+        <p:txBody>
+          <a:bodyPr>
+            <a:noAutofit/>
+          </a:bodyPr>
+          <a:lstStyle/>
+          <a:p>
+            <a:pPr marL="0" indent="0">
+              <a:buNone/>
+            </a:pPr>
+            <a:r>
+              <a:rPr kumimoji="1" lang="ja-JP" altLang="en-US"/>
+              <a:t>プロジェクトマネージャー（</a:t>
+            </a:r>
+            <a:r>
+              <a:rPr kumimoji="1" lang="en-US" altLang="ja-JP" dirty="0"/>
+              <a:t>PM</a:t>
+            </a:r>
+            <a:r>
+              <a:rPr kumimoji="1" lang="ja-JP" altLang="en-US"/>
+              <a:t>）</a:t>
+            </a:r>
+            <a:endParaRPr kumimoji="1" lang="en-US" altLang="ja-JP" dirty="0"/>
+          </a:p>
+        </p:txBody>
+      </p:sp>
+      <p:sp>
+        <p:nvSpPr>
+          <p:cNvPr id="5" name="コンテンツ プレースホルダー 2">
+            <a:extLst>
+              <a:ext uri="{FF2B5EF4-FFF2-40B4-BE49-F238E27FC236}">
+                <a16:creationId xmlns:a16="http://schemas.microsoft.com/office/drawing/2014/main" id="{3DAD621B-768A-4896-A7ED-B6EE258041AF}"/>
+              </a:ext>
+            </a:extLst>
+          </p:cNvPr>
+          <p:cNvSpPr txBox="1">
+            <a:spLocks/>
+          </p:cNvSpPr>
+          <p:nvPr/>
+        </p:nvSpPr>
+        <p:spPr>
+          <a:xfrm>
+            <a:off x="4326835" y="4455409"/>
+            <a:ext cx="3538330" cy="363796"/>
+          </a:xfrm>
+          <a:prstGeom prst="rect">
+            <a:avLst/>
+          </a:prstGeom>
+          <a:blipFill>
+            <a:blip r:embed="rId2"/>
+            <a:tile tx="0" ty="0" sx="100000" sy="100000" flip="none" algn="tl"/>
+          </a:blipFill>
+        </p:spPr>
+        <p:txBody>
+          <a:bodyPr vert="horz" lIns="91440" tIns="45720" rIns="91440" bIns="45720" rtlCol="0">
+            <a:normAutofit lnSpcReduction="10000"/>
+          </a:bodyPr>
+          <a:lstStyle>
+            <a:lvl1pPr marL="182880" indent="-182880" algn="l" defTabSz="914400" rtl="0" eaLnBrk="1" latinLnBrk="0" hangingPunct="1">
+              <a:lnSpc>
+                <a:spcPct val="90000"/>
+              </a:lnSpc>
+              <a:spcBef>
+                <a:spcPts val="1200"/>
+              </a:spcBef>
+              <a:buClr>
+                <a:schemeClr val="accent1">
+                  <a:lumMod val="75000"/>
+                </a:schemeClr>
+              </a:buClr>
+              <a:buSzPct val="85000"/>
+              <a:buFont typeface="Wingdings" pitchFamily="2" charset="2"/>
+              <a:buChar char="§"/>
+              <a:defRPr kumimoji="1" sz="2000" kern="1200">
+                <a:solidFill>
+                  <a:schemeClr val="tx1"/>
+                </a:solidFill>
+                <a:latin typeface="+mn-lt"/>
+                <a:ea typeface="+mn-ea"/>
+                <a:cs typeface="+mn-cs"/>
+              </a:defRPr>
+            </a:lvl1pPr>
+            <a:lvl2pPr marL="457200" indent="-182880" algn="l" defTabSz="914400" rtl="0" eaLnBrk="1" latinLnBrk="0" hangingPunct="1">
+              <a:lnSpc>
+                <a:spcPct val="90000"/>
+              </a:lnSpc>
+              <a:spcBef>
+                <a:spcPts val="400"/>
+              </a:spcBef>
+              <a:spcAft>
+                <a:spcPts val="200"/>
+              </a:spcAft>
+              <a:buClr>
+                <a:schemeClr val="accent1">
+                  <a:lumMod val="75000"/>
+                </a:schemeClr>
+              </a:buClr>
+              <a:buSzPct val="85000"/>
+              <a:buFont typeface="Wingdings" pitchFamily="2" charset="2"/>
+              <a:buChar char="§"/>
+              <a:defRPr kumimoji="1" sz="1800" kern="1200">
+                <a:solidFill>
+                  <a:schemeClr val="tx1"/>
+                </a:solidFill>
+                <a:latin typeface="+mn-lt"/>
+                <a:ea typeface="+mn-ea"/>
+                <a:cs typeface="+mn-cs"/>
+              </a:defRPr>
+            </a:lvl2pPr>
+            <a:lvl3pPr marL="731520" indent="-182880" algn="l" defTabSz="914400" rtl="0" eaLnBrk="1" latinLnBrk="0" hangingPunct="1">
+              <a:lnSpc>
+                <a:spcPct val="90000"/>
+              </a:lnSpc>
+              <a:spcBef>
+                <a:spcPts val="400"/>
+              </a:spcBef>
+              <a:spcAft>
+                <a:spcPts val="200"/>
+              </a:spcAft>
+              <a:buClr>
+                <a:schemeClr val="accent1">
+                  <a:lumMod val="75000"/>
+                </a:schemeClr>
+              </a:buClr>
+              <a:buSzPct val="85000"/>
+              <a:buFont typeface="Wingdings" pitchFamily="2" charset="2"/>
+              <a:buChar char="§"/>
+              <a:defRPr kumimoji="1" sz="1600" kern="1200">
+                <a:solidFill>
+                  <a:schemeClr val="tx1"/>
+                </a:solidFill>
+                <a:latin typeface="+mn-lt"/>
+                <a:ea typeface="+mn-ea"/>
+                <a:cs typeface="+mn-cs"/>
+              </a:defRPr>
+            </a:lvl3pPr>
+            <a:lvl4pPr marL="1005840" indent="-182880" algn="l" defTabSz="914400" rtl="0" eaLnBrk="1" latinLnBrk="0" hangingPunct="1">
+              <a:lnSpc>
+                <a:spcPct val="90000"/>
+              </a:lnSpc>
+              <a:spcBef>
+                <a:spcPts val="400"/>
+              </a:spcBef>
+              <a:spcAft>
+                <a:spcPts val="200"/>
+              </a:spcAft>
+              <a:buClr>
+                <a:schemeClr val="accent1">
+                  <a:lumMod val="75000"/>
+                </a:schemeClr>
+              </a:buClr>
+              <a:buSzPct val="85000"/>
+              <a:buFont typeface="Wingdings" pitchFamily="2" charset="2"/>
+              <a:buChar char="§"/>
+              <a:defRPr kumimoji="1" sz="1600" kern="1200">
+                <a:solidFill>
+                  <a:schemeClr val="tx1"/>
+                </a:solidFill>
+                <a:latin typeface="+mn-lt"/>
+                <a:ea typeface="+mn-ea"/>
+                <a:cs typeface="+mn-cs"/>
+              </a:defRPr>
+            </a:lvl4pPr>
+            <a:lvl5pPr marL="1280160" indent="-182880" algn="l" defTabSz="914400" rtl="0" eaLnBrk="1" latinLnBrk="0" hangingPunct="1">
+              <a:lnSpc>
+                <a:spcPct val="90000"/>
+              </a:lnSpc>
+              <a:spcBef>
+                <a:spcPts val="400"/>
+              </a:spcBef>
+              <a:spcAft>
+                <a:spcPts val="200"/>
+              </a:spcAft>
+              <a:buClr>
+                <a:schemeClr val="accent1">
+                  <a:lumMod val="75000"/>
+                </a:schemeClr>
+              </a:buClr>
+              <a:buSzPct val="85000"/>
+              <a:buFont typeface="Wingdings" pitchFamily="2" charset="2"/>
+              <a:buChar char="§"/>
+              <a:defRPr kumimoji="1" sz="1600" kern="1200">
+                <a:solidFill>
+                  <a:schemeClr val="tx1"/>
+                </a:solidFill>
+                <a:latin typeface="+mn-lt"/>
+                <a:ea typeface="+mn-ea"/>
+                <a:cs typeface="+mn-cs"/>
+              </a:defRPr>
+            </a:lvl5pPr>
+            <a:lvl6pPr marL="1600000" indent="-228600" algn="l" defTabSz="914400" rtl="0" eaLnBrk="1" latinLnBrk="0" hangingPunct="1">
+              <a:lnSpc>
+                <a:spcPct val="90000"/>
+              </a:lnSpc>
+              <a:spcBef>
+                <a:spcPts val="400"/>
+              </a:spcBef>
+              <a:spcAft>
+                <a:spcPts val="200"/>
+              </a:spcAft>
+              <a:buClr>
+                <a:schemeClr val="accent1">
+                  <a:lumMod val="75000"/>
+                </a:schemeClr>
+              </a:buClr>
+              <a:buSzPct val="85000"/>
+              <a:buFont typeface="Wingdings" pitchFamily="2" charset="2"/>
+              <a:buChar char="§"/>
+              <a:defRPr kumimoji="1" sz="1600" kern="1200">
+                <a:solidFill>
+                  <a:schemeClr val="tx1"/>
+                </a:solidFill>
+                <a:latin typeface="+mn-lt"/>
+                <a:ea typeface="+mn-ea"/>
+                <a:cs typeface="+mn-cs"/>
+              </a:defRPr>
+            </a:lvl6pPr>
+            <a:lvl7pPr marL="1900000" indent="-228600" algn="l" defTabSz="914400" rtl="0" eaLnBrk="1" latinLnBrk="0" hangingPunct="1">
+              <a:lnSpc>
+                <a:spcPct val="90000"/>
+              </a:lnSpc>
+              <a:spcBef>
+                <a:spcPts val="400"/>
+              </a:spcBef>
+              <a:spcAft>
+                <a:spcPts val="200"/>
+              </a:spcAft>
+              <a:buClr>
+                <a:schemeClr val="accent1">
+                  <a:lumMod val="75000"/>
+                </a:schemeClr>
+              </a:buClr>
+              <a:buSzPct val="85000"/>
+              <a:buFont typeface="Wingdings" pitchFamily="2" charset="2"/>
+              <a:buChar char="§"/>
+              <a:defRPr kumimoji="1" sz="1600" kern="1200">
+                <a:solidFill>
+                  <a:schemeClr val="tx1"/>
+                </a:solidFill>
+                <a:latin typeface="+mn-lt"/>
+                <a:ea typeface="+mn-ea"/>
+                <a:cs typeface="+mn-cs"/>
+              </a:defRPr>
+            </a:lvl7pPr>
+            <a:lvl8pPr marL="2200000" indent="-228600" algn="l" defTabSz="914400" rtl="0" eaLnBrk="1" latinLnBrk="0" hangingPunct="1">
+              <a:lnSpc>
+                <a:spcPct val="90000"/>
+              </a:lnSpc>
+              <a:spcBef>
+                <a:spcPts val="400"/>
+              </a:spcBef>
+              <a:spcAft>
+                <a:spcPts val="200"/>
+              </a:spcAft>
+              <a:buClr>
+                <a:schemeClr val="accent1">
+                  <a:lumMod val="75000"/>
+                </a:schemeClr>
+              </a:buClr>
+              <a:buSzPct val="85000"/>
+              <a:buFont typeface="Wingdings" pitchFamily="2" charset="2"/>
+              <a:buChar char="§"/>
+              <a:defRPr kumimoji="1" sz="1600" kern="1200">
+                <a:solidFill>
+                  <a:schemeClr val="tx1"/>
+                </a:solidFill>
+                <a:latin typeface="+mn-lt"/>
+                <a:ea typeface="+mn-ea"/>
+                <a:cs typeface="+mn-cs"/>
+              </a:defRPr>
+            </a:lvl8pPr>
+            <a:lvl9pPr marL="2500000" indent="-228600" algn="l" defTabSz="914400" rtl="0" eaLnBrk="1" latinLnBrk="0" hangingPunct="1">
+              <a:lnSpc>
+                <a:spcPct val="90000"/>
+              </a:lnSpc>
+              <a:spcBef>
+                <a:spcPts val="400"/>
+              </a:spcBef>
+              <a:spcAft>
+                <a:spcPts val="200"/>
+              </a:spcAft>
+              <a:buClr>
+                <a:schemeClr val="accent1">
+                  <a:lumMod val="75000"/>
+                </a:schemeClr>
+              </a:buClr>
+              <a:buSzPct val="85000"/>
+              <a:buFont typeface="Wingdings" pitchFamily="2" charset="2"/>
+              <a:buChar char="§"/>
+              <a:defRPr kumimoji="1" sz="1600" kern="1200">
+                <a:solidFill>
+                  <a:schemeClr val="tx1"/>
+                </a:solidFill>
+                <a:latin typeface="+mn-lt"/>
+                <a:ea typeface="+mn-ea"/>
+                <a:cs typeface="+mn-cs"/>
+              </a:defRPr>
+            </a:lvl9pPr>
+          </a:lstStyle>
+          <a:p>
+            <a:pPr marL="0" indent="0">
+              <a:buFont typeface="Wingdings" pitchFamily="2" charset="2"/>
+              <a:buNone/>
+            </a:pPr>
+            <a:r>
+              <a:rPr lang="ja-JP" altLang="en-US"/>
+              <a:t>プロジェクトリーダー（</a:t>
+            </a:r>
+            <a:r>
+              <a:rPr lang="en-US" altLang="ja-JP" dirty="0"/>
+              <a:t>PL</a:t>
+            </a:r>
+            <a:r>
+              <a:rPr lang="ja-JP" altLang="en-US"/>
+              <a:t>）</a:t>
+            </a:r>
+            <a:endParaRPr lang="en-US" altLang="ja-JP" dirty="0"/>
+          </a:p>
+          <a:p>
+            <a:pPr marL="0" indent="0">
+              <a:buFont typeface="Wingdings" pitchFamily="2" charset="2"/>
+              <a:buNone/>
+            </a:pPr>
+            <a:endParaRPr lang="en-US" altLang="ja-JP" dirty="0"/>
+          </a:p>
+        </p:txBody>
+      </p:sp>
+      <p:sp>
+        <p:nvSpPr>
+          <p:cNvPr id="7" name="コンテンツ プレースホルダー 2">
+            <a:extLst>
+              <a:ext uri="{FF2B5EF4-FFF2-40B4-BE49-F238E27FC236}">
+                <a16:creationId xmlns:a16="http://schemas.microsoft.com/office/drawing/2014/main" id="{F3E9FBBB-1275-B60C-6B78-18B7F58069D4}"/>
+              </a:ext>
+            </a:extLst>
+          </p:cNvPr>
+          <p:cNvSpPr txBox="1">
+            <a:spLocks/>
+          </p:cNvSpPr>
+          <p:nvPr/>
+        </p:nvSpPr>
+        <p:spPr>
+          <a:xfrm>
+            <a:off x="1069848" y="5989248"/>
+            <a:ext cx="2745951" cy="436571"/>
+          </a:xfrm>
+          <a:prstGeom prst="rect">
+            <a:avLst/>
+          </a:prstGeom>
+          <a:blipFill>
+            <a:blip r:embed="rId2"/>
+            <a:tile tx="0" ty="0" sx="100000" sy="100000" flip="none" algn="tl"/>
+          </a:blipFill>
+        </p:spPr>
+        <p:txBody>
+          <a:bodyPr vert="horz" lIns="91440" tIns="45720" rIns="91440" bIns="45720" rtlCol="0">
+            <a:normAutofit/>
+          </a:bodyPr>
+          <a:lstStyle>
+            <a:lvl1pPr marL="182880" indent="-182880" algn="l" defTabSz="914400" rtl="0" eaLnBrk="1" latinLnBrk="0" hangingPunct="1">
+              <a:lnSpc>
+                <a:spcPct val="90000"/>
+              </a:lnSpc>
+              <a:spcBef>
+                <a:spcPts val="1200"/>
+              </a:spcBef>
+              <a:buClr>
+                <a:schemeClr val="accent1">
+                  <a:lumMod val="75000"/>
+                </a:schemeClr>
+              </a:buClr>
+              <a:buSzPct val="85000"/>
+              <a:buFont typeface="Wingdings" pitchFamily="2" charset="2"/>
+              <a:buChar char="§"/>
+              <a:defRPr kumimoji="1" sz="2000" kern="1200">
+                <a:solidFill>
+                  <a:schemeClr val="tx1"/>
+                </a:solidFill>
+                <a:latin typeface="+mn-lt"/>
+                <a:ea typeface="+mn-ea"/>
+                <a:cs typeface="+mn-cs"/>
+              </a:defRPr>
+            </a:lvl1pPr>
+            <a:lvl2pPr marL="457200" indent="-182880" algn="l" defTabSz="914400" rtl="0" eaLnBrk="1" latinLnBrk="0" hangingPunct="1">
+              <a:lnSpc>
+                <a:spcPct val="90000"/>
+              </a:lnSpc>
+              <a:spcBef>
+                <a:spcPts val="400"/>
+              </a:spcBef>
+              <a:spcAft>
+                <a:spcPts val="200"/>
+              </a:spcAft>
+              <a:buClr>
+                <a:schemeClr val="accent1">
+                  <a:lumMod val="75000"/>
+                </a:schemeClr>
+              </a:buClr>
+              <a:buSzPct val="85000"/>
+              <a:buFont typeface="Wingdings" pitchFamily="2" charset="2"/>
+              <a:buChar char="§"/>
+              <a:defRPr kumimoji="1" sz="1800" kern="1200">
+                <a:solidFill>
+                  <a:schemeClr val="tx1"/>
+                </a:solidFill>
+                <a:latin typeface="+mn-lt"/>
+                <a:ea typeface="+mn-ea"/>
+                <a:cs typeface="+mn-cs"/>
+              </a:defRPr>
+            </a:lvl2pPr>
+            <a:lvl3pPr marL="731520" indent="-182880" algn="l" defTabSz="914400" rtl="0" eaLnBrk="1" latinLnBrk="0" hangingPunct="1">
+              <a:lnSpc>
+                <a:spcPct val="90000"/>
+              </a:lnSpc>
+              <a:spcBef>
+                <a:spcPts val="400"/>
+              </a:spcBef>
+              <a:spcAft>
+                <a:spcPts val="200"/>
+              </a:spcAft>
+              <a:buClr>
+                <a:schemeClr val="accent1">
+                  <a:lumMod val="75000"/>
+                </a:schemeClr>
+              </a:buClr>
+              <a:buSzPct val="85000"/>
+              <a:buFont typeface="Wingdings" pitchFamily="2" charset="2"/>
+              <a:buChar char="§"/>
+              <a:defRPr kumimoji="1" sz="1600" kern="1200">
+                <a:solidFill>
+                  <a:schemeClr val="tx1"/>
+                </a:solidFill>
+                <a:latin typeface="+mn-lt"/>
+                <a:ea typeface="+mn-ea"/>
+                <a:cs typeface="+mn-cs"/>
+              </a:defRPr>
+            </a:lvl3pPr>
+            <a:lvl4pPr marL="1005840" indent="-182880" algn="l" defTabSz="914400" rtl="0" eaLnBrk="1" latinLnBrk="0" hangingPunct="1">
+              <a:lnSpc>
+                <a:spcPct val="90000"/>
+              </a:lnSpc>
+              <a:spcBef>
+                <a:spcPts val="400"/>
+              </a:spcBef>
+              <a:spcAft>
+                <a:spcPts val="200"/>
+              </a:spcAft>
+              <a:buClr>
+                <a:schemeClr val="accent1">
+                  <a:lumMod val="75000"/>
+                </a:schemeClr>
+              </a:buClr>
+              <a:buSzPct val="85000"/>
+              <a:buFont typeface="Wingdings" pitchFamily="2" charset="2"/>
+              <a:buChar char="§"/>
+              <a:defRPr kumimoji="1" sz="1600" kern="1200">
+                <a:solidFill>
+                  <a:schemeClr val="tx1"/>
+                </a:solidFill>
+                <a:latin typeface="+mn-lt"/>
+                <a:ea typeface="+mn-ea"/>
+                <a:cs typeface="+mn-cs"/>
+              </a:defRPr>
+            </a:lvl4pPr>
+            <a:lvl5pPr marL="1280160" indent="-182880" algn="l" defTabSz="914400" rtl="0" eaLnBrk="1" latinLnBrk="0" hangingPunct="1">
+              <a:lnSpc>
+                <a:spcPct val="90000"/>
+              </a:lnSpc>
+              <a:spcBef>
+                <a:spcPts val="400"/>
+              </a:spcBef>
+              <a:spcAft>
+                <a:spcPts val="200"/>
+              </a:spcAft>
+              <a:buClr>
+                <a:schemeClr val="accent1">
+                  <a:lumMod val="75000"/>
+                </a:schemeClr>
+              </a:buClr>
+              <a:buSzPct val="85000"/>
+              <a:buFont typeface="Wingdings" pitchFamily="2" charset="2"/>
+              <a:buChar char="§"/>
+              <a:defRPr kumimoji="1" sz="1600" kern="1200">
+                <a:solidFill>
+                  <a:schemeClr val="tx1"/>
+                </a:solidFill>
+                <a:latin typeface="+mn-lt"/>
+                <a:ea typeface="+mn-ea"/>
+                <a:cs typeface="+mn-cs"/>
+              </a:defRPr>
+            </a:lvl5pPr>
+            <a:lvl6pPr marL="1600000" indent="-228600" algn="l" defTabSz="914400" rtl="0" eaLnBrk="1" latinLnBrk="0" hangingPunct="1">
+              <a:lnSpc>
+                <a:spcPct val="90000"/>
+              </a:lnSpc>
+              <a:spcBef>
+                <a:spcPts val="400"/>
+              </a:spcBef>
+              <a:spcAft>
+                <a:spcPts val="200"/>
+              </a:spcAft>
+              <a:buClr>
+                <a:schemeClr val="accent1">
+                  <a:lumMod val="75000"/>
+                </a:schemeClr>
+              </a:buClr>
+              <a:buSzPct val="85000"/>
+              <a:buFont typeface="Wingdings" pitchFamily="2" charset="2"/>
+              <a:buChar char="§"/>
+              <a:defRPr kumimoji="1" sz="1600" kern="1200">
+                <a:solidFill>
+                  <a:schemeClr val="tx1"/>
+                </a:solidFill>
+                <a:latin typeface="+mn-lt"/>
+                <a:ea typeface="+mn-ea"/>
+                <a:cs typeface="+mn-cs"/>
+              </a:defRPr>
+            </a:lvl6pPr>
+            <a:lvl7pPr marL="1900000" indent="-228600" algn="l" defTabSz="914400" rtl="0" eaLnBrk="1" latinLnBrk="0" hangingPunct="1">
+              <a:lnSpc>
+                <a:spcPct val="90000"/>
+              </a:lnSpc>
+              <a:spcBef>
+                <a:spcPts val="400"/>
+              </a:spcBef>
+              <a:spcAft>
+                <a:spcPts val="200"/>
+              </a:spcAft>
+              <a:buClr>
+                <a:schemeClr val="accent1">
+                  <a:lumMod val="75000"/>
+                </a:schemeClr>
+              </a:buClr>
+              <a:buSzPct val="85000"/>
+              <a:buFont typeface="Wingdings" pitchFamily="2" charset="2"/>
+              <a:buChar char="§"/>
+              <a:defRPr kumimoji="1" sz="1600" kern="1200">
+                <a:solidFill>
+                  <a:schemeClr val="tx1"/>
+                </a:solidFill>
+                <a:latin typeface="+mn-lt"/>
+                <a:ea typeface="+mn-ea"/>
+                <a:cs typeface="+mn-cs"/>
+              </a:defRPr>
+            </a:lvl7pPr>
+            <a:lvl8pPr marL="2200000" indent="-228600" algn="l" defTabSz="914400" rtl="0" eaLnBrk="1" latinLnBrk="0" hangingPunct="1">
+              <a:lnSpc>
+                <a:spcPct val="90000"/>
+              </a:lnSpc>
+              <a:spcBef>
+                <a:spcPts val="400"/>
+              </a:spcBef>
+              <a:spcAft>
+                <a:spcPts val="200"/>
+              </a:spcAft>
+              <a:buClr>
+                <a:schemeClr val="accent1">
+                  <a:lumMod val="75000"/>
+                </a:schemeClr>
+              </a:buClr>
+              <a:buSzPct val="85000"/>
+              <a:buFont typeface="Wingdings" pitchFamily="2" charset="2"/>
+              <a:buChar char="§"/>
+              <a:defRPr kumimoji="1" sz="1600" kern="1200">
+                <a:solidFill>
+                  <a:schemeClr val="tx1"/>
+                </a:solidFill>
+                <a:latin typeface="+mn-lt"/>
+                <a:ea typeface="+mn-ea"/>
+                <a:cs typeface="+mn-cs"/>
+              </a:defRPr>
+            </a:lvl8pPr>
+            <a:lvl9pPr marL="2500000" indent="-228600" algn="l" defTabSz="914400" rtl="0" eaLnBrk="1" latinLnBrk="0" hangingPunct="1">
+              <a:lnSpc>
+                <a:spcPct val="90000"/>
+              </a:lnSpc>
+              <a:spcBef>
+                <a:spcPts val="400"/>
+              </a:spcBef>
+              <a:spcAft>
+                <a:spcPts val="200"/>
+              </a:spcAft>
+              <a:buClr>
+                <a:schemeClr val="accent1">
+                  <a:lumMod val="75000"/>
+                </a:schemeClr>
+              </a:buClr>
+              <a:buSzPct val="85000"/>
+              <a:buFont typeface="Wingdings" pitchFamily="2" charset="2"/>
+              <a:buChar char="§"/>
+              <a:defRPr kumimoji="1" sz="1600" kern="1200">
+                <a:solidFill>
+                  <a:schemeClr val="tx1"/>
+                </a:solidFill>
+                <a:latin typeface="+mn-lt"/>
+                <a:ea typeface="+mn-ea"/>
+                <a:cs typeface="+mn-cs"/>
+              </a:defRPr>
+            </a:lvl9pPr>
+          </a:lstStyle>
+          <a:p>
+            <a:pPr marL="0" indent="0">
+              <a:buFont typeface="Wingdings" pitchFamily="2" charset="2"/>
+              <a:buNone/>
+            </a:pPr>
+            <a:r>
+              <a:rPr lang="ja-JP" altLang="en-US"/>
+              <a:t>プロジェクトメンバー</a:t>
+            </a:r>
+            <a:endParaRPr lang="en-US" altLang="ja-JP" dirty="0"/>
+          </a:p>
+        </p:txBody>
+      </p:sp>
+      <p:sp>
+        <p:nvSpPr>
+          <p:cNvPr id="8" name="コンテンツ プレースホルダー 2">
+            <a:extLst>
+              <a:ext uri="{FF2B5EF4-FFF2-40B4-BE49-F238E27FC236}">
+                <a16:creationId xmlns:a16="http://schemas.microsoft.com/office/drawing/2014/main" id="{40E50268-0D19-477B-DA2C-4D94BDE5C6E5}"/>
+              </a:ext>
+            </a:extLst>
+          </p:cNvPr>
+          <p:cNvSpPr txBox="1">
+            <a:spLocks/>
+          </p:cNvSpPr>
+          <p:nvPr/>
+        </p:nvSpPr>
+        <p:spPr>
+          <a:xfrm>
+            <a:off x="4723023" y="5988894"/>
+            <a:ext cx="2745951" cy="436925"/>
+          </a:xfrm>
+          <a:prstGeom prst="rect">
+            <a:avLst/>
+          </a:prstGeom>
+          <a:blipFill>
+            <a:blip r:embed="rId2"/>
+            <a:tile tx="0" ty="0" sx="100000" sy="100000" flip="none" algn="tl"/>
+          </a:blipFill>
+        </p:spPr>
+        <p:txBody>
+          <a:bodyPr vert="horz" lIns="91440" tIns="45720" rIns="91440" bIns="45720" rtlCol="0">
+            <a:normAutofit/>
+          </a:bodyPr>
+          <a:lstStyle>
+            <a:lvl1pPr marL="182880" indent="-182880" algn="l" defTabSz="914400" rtl="0" eaLnBrk="1" latinLnBrk="0" hangingPunct="1">
+              <a:lnSpc>
+                <a:spcPct val="90000"/>
+              </a:lnSpc>
+              <a:spcBef>
+                <a:spcPts val="1200"/>
+              </a:spcBef>
+              <a:buClr>
+                <a:schemeClr val="accent1">
+                  <a:lumMod val="75000"/>
+                </a:schemeClr>
+              </a:buClr>
+              <a:buSzPct val="85000"/>
+              <a:buFont typeface="Wingdings" pitchFamily="2" charset="2"/>
+              <a:buChar char="§"/>
+              <a:defRPr kumimoji="1" sz="2000" kern="1200">
+                <a:solidFill>
+                  <a:schemeClr val="tx1"/>
+                </a:solidFill>
+                <a:latin typeface="+mn-lt"/>
+                <a:ea typeface="+mn-ea"/>
+                <a:cs typeface="+mn-cs"/>
+              </a:defRPr>
+            </a:lvl1pPr>
+            <a:lvl2pPr marL="457200" indent="-182880" algn="l" defTabSz="914400" rtl="0" eaLnBrk="1" latinLnBrk="0" hangingPunct="1">
+              <a:lnSpc>
+                <a:spcPct val="90000"/>
+              </a:lnSpc>
+              <a:spcBef>
+                <a:spcPts val="400"/>
+              </a:spcBef>
+              <a:spcAft>
+                <a:spcPts val="200"/>
+              </a:spcAft>
+              <a:buClr>
+                <a:schemeClr val="accent1">
+                  <a:lumMod val="75000"/>
+                </a:schemeClr>
+              </a:buClr>
+              <a:buSzPct val="85000"/>
+              <a:buFont typeface="Wingdings" pitchFamily="2" charset="2"/>
+              <a:buChar char="§"/>
+              <a:defRPr kumimoji="1" sz="1800" kern="1200">
+                <a:solidFill>
+                  <a:schemeClr val="tx1"/>
+                </a:solidFill>
+                <a:latin typeface="+mn-lt"/>
+                <a:ea typeface="+mn-ea"/>
+                <a:cs typeface="+mn-cs"/>
+              </a:defRPr>
+            </a:lvl2pPr>
+            <a:lvl3pPr marL="731520" indent="-182880" algn="l" defTabSz="914400" rtl="0" eaLnBrk="1" latinLnBrk="0" hangingPunct="1">
+              <a:lnSpc>
+                <a:spcPct val="90000"/>
+              </a:lnSpc>
+              <a:spcBef>
+                <a:spcPts val="400"/>
+              </a:spcBef>
+              <a:spcAft>
+                <a:spcPts val="200"/>
+              </a:spcAft>
+              <a:buClr>
+                <a:schemeClr val="accent1">
+                  <a:lumMod val="75000"/>
+                </a:schemeClr>
+              </a:buClr>
+              <a:buSzPct val="85000"/>
+              <a:buFont typeface="Wingdings" pitchFamily="2" charset="2"/>
+              <a:buChar char="§"/>
+              <a:defRPr kumimoji="1" sz="1600" kern="1200">
+                <a:solidFill>
+                  <a:schemeClr val="tx1"/>
+                </a:solidFill>
+                <a:latin typeface="+mn-lt"/>
+                <a:ea typeface="+mn-ea"/>
+                <a:cs typeface="+mn-cs"/>
+              </a:defRPr>
+            </a:lvl3pPr>
+            <a:lvl4pPr marL="1005840" indent="-182880" algn="l" defTabSz="914400" rtl="0" eaLnBrk="1" latinLnBrk="0" hangingPunct="1">
+              <a:lnSpc>
+                <a:spcPct val="90000"/>
+              </a:lnSpc>
+              <a:spcBef>
+                <a:spcPts val="400"/>
+              </a:spcBef>
+              <a:spcAft>
+                <a:spcPts val="200"/>
+              </a:spcAft>
+              <a:buClr>
+                <a:schemeClr val="accent1">
+                  <a:lumMod val="75000"/>
+                </a:schemeClr>
+              </a:buClr>
+              <a:buSzPct val="85000"/>
+              <a:buFont typeface="Wingdings" pitchFamily="2" charset="2"/>
+              <a:buChar char="§"/>
+              <a:defRPr kumimoji="1" sz="1600" kern="1200">
+                <a:solidFill>
+                  <a:schemeClr val="tx1"/>
+                </a:solidFill>
+                <a:latin typeface="+mn-lt"/>
+                <a:ea typeface="+mn-ea"/>
+                <a:cs typeface="+mn-cs"/>
+              </a:defRPr>
+            </a:lvl4pPr>
+            <a:lvl5pPr marL="1280160" indent="-182880" algn="l" defTabSz="914400" rtl="0" eaLnBrk="1" latinLnBrk="0" hangingPunct="1">
+              <a:lnSpc>
+                <a:spcPct val="90000"/>
+              </a:lnSpc>
+              <a:spcBef>
+                <a:spcPts val="400"/>
+              </a:spcBef>
+              <a:spcAft>
+                <a:spcPts val="200"/>
+              </a:spcAft>
+              <a:buClr>
+                <a:schemeClr val="accent1">
+                  <a:lumMod val="75000"/>
+                </a:schemeClr>
+              </a:buClr>
+              <a:buSzPct val="85000"/>
+              <a:buFont typeface="Wingdings" pitchFamily="2" charset="2"/>
+              <a:buChar char="§"/>
+              <a:defRPr kumimoji="1" sz="1600" kern="1200">
+                <a:solidFill>
+                  <a:schemeClr val="tx1"/>
+                </a:solidFill>
+                <a:latin typeface="+mn-lt"/>
+                <a:ea typeface="+mn-ea"/>
+                <a:cs typeface="+mn-cs"/>
+              </a:defRPr>
+            </a:lvl5pPr>
+            <a:lvl6pPr marL="1600000" indent="-228600" algn="l" defTabSz="914400" rtl="0" eaLnBrk="1" latinLnBrk="0" hangingPunct="1">
+              <a:lnSpc>
+                <a:spcPct val="90000"/>
+              </a:lnSpc>
+              <a:spcBef>
+                <a:spcPts val="400"/>
+              </a:spcBef>
+              <a:spcAft>
+                <a:spcPts val="200"/>
+              </a:spcAft>
+              <a:buClr>
+                <a:schemeClr val="accent1">
+                  <a:lumMod val="75000"/>
+                </a:schemeClr>
+              </a:buClr>
+              <a:buSzPct val="85000"/>
+              <a:buFont typeface="Wingdings" pitchFamily="2" charset="2"/>
+              <a:buChar char="§"/>
+              <a:defRPr kumimoji="1" sz="1600" kern="1200">
+                <a:solidFill>
+                  <a:schemeClr val="tx1"/>
+                </a:solidFill>
+                <a:latin typeface="+mn-lt"/>
+                <a:ea typeface="+mn-ea"/>
+                <a:cs typeface="+mn-cs"/>
+              </a:defRPr>
+            </a:lvl6pPr>
+            <a:lvl7pPr marL="1900000" indent="-228600" algn="l" defTabSz="914400" rtl="0" eaLnBrk="1" latinLnBrk="0" hangingPunct="1">
+              <a:lnSpc>
+                <a:spcPct val="90000"/>
+              </a:lnSpc>
+              <a:spcBef>
+                <a:spcPts val="400"/>
+              </a:spcBef>
+              <a:spcAft>
+                <a:spcPts val="200"/>
+              </a:spcAft>
+              <a:buClr>
+                <a:schemeClr val="accent1">
+                  <a:lumMod val="75000"/>
+                </a:schemeClr>
+              </a:buClr>
+              <a:buSzPct val="85000"/>
+              <a:buFont typeface="Wingdings" pitchFamily="2" charset="2"/>
+              <a:buChar char="§"/>
+              <a:defRPr kumimoji="1" sz="1600" kern="1200">
+                <a:solidFill>
+                  <a:schemeClr val="tx1"/>
+                </a:solidFill>
+                <a:latin typeface="+mn-lt"/>
+                <a:ea typeface="+mn-ea"/>
+                <a:cs typeface="+mn-cs"/>
+              </a:defRPr>
+            </a:lvl7pPr>
+            <a:lvl8pPr marL="2200000" indent="-228600" algn="l" defTabSz="914400" rtl="0" eaLnBrk="1" latinLnBrk="0" hangingPunct="1">
+              <a:lnSpc>
+                <a:spcPct val="90000"/>
+              </a:lnSpc>
+              <a:spcBef>
+                <a:spcPts val="400"/>
+              </a:spcBef>
+              <a:spcAft>
+                <a:spcPts val="200"/>
+              </a:spcAft>
+              <a:buClr>
+                <a:schemeClr val="accent1">
+                  <a:lumMod val="75000"/>
+                </a:schemeClr>
+              </a:buClr>
+              <a:buSzPct val="85000"/>
+              <a:buFont typeface="Wingdings" pitchFamily="2" charset="2"/>
+              <a:buChar char="§"/>
+              <a:defRPr kumimoji="1" sz="1600" kern="1200">
+                <a:solidFill>
+                  <a:schemeClr val="tx1"/>
+                </a:solidFill>
+                <a:latin typeface="+mn-lt"/>
+                <a:ea typeface="+mn-ea"/>
+                <a:cs typeface="+mn-cs"/>
+              </a:defRPr>
+            </a:lvl8pPr>
+            <a:lvl9pPr marL="2500000" indent="-228600" algn="l" defTabSz="914400" rtl="0" eaLnBrk="1" latinLnBrk="0" hangingPunct="1">
+              <a:lnSpc>
+                <a:spcPct val="90000"/>
+              </a:lnSpc>
+              <a:spcBef>
+                <a:spcPts val="400"/>
+              </a:spcBef>
+              <a:spcAft>
+                <a:spcPts val="200"/>
+              </a:spcAft>
+              <a:buClr>
+                <a:schemeClr val="accent1">
+                  <a:lumMod val="75000"/>
+                </a:schemeClr>
+              </a:buClr>
+              <a:buSzPct val="85000"/>
+              <a:buFont typeface="Wingdings" pitchFamily="2" charset="2"/>
+              <a:buChar char="§"/>
+              <a:defRPr kumimoji="1" sz="1600" kern="1200">
+                <a:solidFill>
+                  <a:schemeClr val="tx1"/>
+                </a:solidFill>
+                <a:latin typeface="+mn-lt"/>
+                <a:ea typeface="+mn-ea"/>
+                <a:cs typeface="+mn-cs"/>
+              </a:defRPr>
+            </a:lvl9pPr>
+          </a:lstStyle>
+          <a:p>
+            <a:pPr marL="0" indent="0">
+              <a:buFont typeface="Wingdings" pitchFamily="2" charset="2"/>
+              <a:buNone/>
+            </a:pPr>
+            <a:r>
+              <a:rPr lang="ja-JP" altLang="en-US"/>
+              <a:t>プロジェクトメンバー</a:t>
+            </a:r>
+            <a:endParaRPr lang="en-US" altLang="ja-JP" dirty="0"/>
+          </a:p>
+          <a:p>
+            <a:pPr marL="0" indent="0">
+              <a:buFont typeface="Wingdings" pitchFamily="2" charset="2"/>
+              <a:buNone/>
+            </a:pPr>
+            <a:endParaRPr lang="en-US" altLang="ja-JP" dirty="0"/>
+          </a:p>
+        </p:txBody>
+      </p:sp>
+      <p:sp>
+        <p:nvSpPr>
+          <p:cNvPr id="9" name="コンテンツ プレースホルダー 2">
+            <a:extLst>
+              <a:ext uri="{FF2B5EF4-FFF2-40B4-BE49-F238E27FC236}">
+                <a16:creationId xmlns:a16="http://schemas.microsoft.com/office/drawing/2014/main" id="{F2E1E414-F052-3493-E77D-F275E98C2EF6}"/>
+              </a:ext>
+            </a:extLst>
+          </p:cNvPr>
+          <p:cNvSpPr txBox="1">
+            <a:spLocks/>
+          </p:cNvSpPr>
+          <p:nvPr/>
+        </p:nvSpPr>
+        <p:spPr>
+          <a:xfrm>
+            <a:off x="8303290" y="6044528"/>
+            <a:ext cx="2745952" cy="381291"/>
+          </a:xfrm>
+          <a:prstGeom prst="rect">
+            <a:avLst/>
+          </a:prstGeom>
+          <a:blipFill>
+            <a:blip r:embed="rId2"/>
+            <a:tile tx="0" ty="0" sx="100000" sy="100000" flip="none" algn="tl"/>
+          </a:blipFill>
+        </p:spPr>
+        <p:txBody>
+          <a:bodyPr vert="horz" lIns="91440" tIns="45720" rIns="91440" bIns="45720" rtlCol="0">
+            <a:normAutofit/>
+          </a:bodyPr>
+          <a:lstStyle>
+            <a:lvl1pPr marL="182880" indent="-182880" algn="l" defTabSz="914400" rtl="0" eaLnBrk="1" latinLnBrk="0" hangingPunct="1">
+              <a:lnSpc>
+                <a:spcPct val="90000"/>
+              </a:lnSpc>
+              <a:spcBef>
+                <a:spcPts val="1200"/>
+              </a:spcBef>
+              <a:buClr>
+                <a:schemeClr val="accent1">
+                  <a:lumMod val="75000"/>
+                </a:schemeClr>
+              </a:buClr>
+              <a:buSzPct val="85000"/>
+              <a:buFont typeface="Wingdings" pitchFamily="2" charset="2"/>
+              <a:buChar char="§"/>
+              <a:defRPr kumimoji="1" sz="2000" kern="1200">
+                <a:solidFill>
+                  <a:schemeClr val="tx1"/>
+                </a:solidFill>
+                <a:latin typeface="+mn-lt"/>
+                <a:ea typeface="+mn-ea"/>
+                <a:cs typeface="+mn-cs"/>
+              </a:defRPr>
+            </a:lvl1pPr>
+            <a:lvl2pPr marL="457200" indent="-182880" algn="l" defTabSz="914400" rtl="0" eaLnBrk="1" latinLnBrk="0" hangingPunct="1">
+              <a:lnSpc>
+                <a:spcPct val="90000"/>
+              </a:lnSpc>
+              <a:spcBef>
+                <a:spcPts val="400"/>
+              </a:spcBef>
+              <a:spcAft>
+                <a:spcPts val="200"/>
+              </a:spcAft>
+              <a:buClr>
+                <a:schemeClr val="accent1">
+                  <a:lumMod val="75000"/>
+                </a:schemeClr>
+              </a:buClr>
+              <a:buSzPct val="85000"/>
+              <a:buFont typeface="Wingdings" pitchFamily="2" charset="2"/>
+              <a:buChar char="§"/>
+              <a:defRPr kumimoji="1" sz="1800" kern="1200">
+                <a:solidFill>
+                  <a:schemeClr val="tx1"/>
+                </a:solidFill>
+                <a:latin typeface="+mn-lt"/>
+                <a:ea typeface="+mn-ea"/>
+                <a:cs typeface="+mn-cs"/>
+              </a:defRPr>
+            </a:lvl2pPr>
+            <a:lvl3pPr marL="731520" indent="-182880" algn="l" defTabSz="914400" rtl="0" eaLnBrk="1" latinLnBrk="0" hangingPunct="1">
+              <a:lnSpc>
+                <a:spcPct val="90000"/>
+              </a:lnSpc>
+              <a:spcBef>
+                <a:spcPts val="400"/>
+              </a:spcBef>
+              <a:spcAft>
+                <a:spcPts val="200"/>
+              </a:spcAft>
+              <a:buClr>
+                <a:schemeClr val="accent1">
+                  <a:lumMod val="75000"/>
+                </a:schemeClr>
+              </a:buClr>
+              <a:buSzPct val="85000"/>
+              <a:buFont typeface="Wingdings" pitchFamily="2" charset="2"/>
+              <a:buChar char="§"/>
+              <a:defRPr kumimoji="1" sz="1600" kern="1200">
+                <a:solidFill>
+                  <a:schemeClr val="tx1"/>
+                </a:solidFill>
+                <a:latin typeface="+mn-lt"/>
+                <a:ea typeface="+mn-ea"/>
+                <a:cs typeface="+mn-cs"/>
+              </a:defRPr>
+            </a:lvl3pPr>
+            <a:lvl4pPr marL="1005840" indent="-182880" algn="l" defTabSz="914400" rtl="0" eaLnBrk="1" latinLnBrk="0" hangingPunct="1">
+              <a:lnSpc>
+                <a:spcPct val="90000"/>
+              </a:lnSpc>
+              <a:spcBef>
+                <a:spcPts val="400"/>
+              </a:spcBef>
+              <a:spcAft>
+                <a:spcPts val="200"/>
+              </a:spcAft>
+              <a:buClr>
+                <a:schemeClr val="accent1">
+                  <a:lumMod val="75000"/>
+                </a:schemeClr>
+              </a:buClr>
+              <a:buSzPct val="85000"/>
+              <a:buFont typeface="Wingdings" pitchFamily="2" charset="2"/>
+              <a:buChar char="§"/>
+              <a:defRPr kumimoji="1" sz="1600" kern="1200">
+                <a:solidFill>
+                  <a:schemeClr val="tx1"/>
+                </a:solidFill>
+                <a:latin typeface="+mn-lt"/>
+                <a:ea typeface="+mn-ea"/>
+                <a:cs typeface="+mn-cs"/>
+              </a:defRPr>
+            </a:lvl4pPr>
+            <a:lvl5pPr marL="1280160" indent="-182880" algn="l" defTabSz="914400" rtl="0" eaLnBrk="1" latinLnBrk="0" hangingPunct="1">
+              <a:lnSpc>
+                <a:spcPct val="90000"/>
+              </a:lnSpc>
+              <a:spcBef>
+                <a:spcPts val="400"/>
+              </a:spcBef>
+              <a:spcAft>
+                <a:spcPts val="200"/>
+              </a:spcAft>
+              <a:buClr>
+                <a:schemeClr val="accent1">
+                  <a:lumMod val="75000"/>
+                </a:schemeClr>
+              </a:buClr>
+              <a:buSzPct val="85000"/>
+              <a:buFont typeface="Wingdings" pitchFamily="2" charset="2"/>
+              <a:buChar char="§"/>
+              <a:defRPr kumimoji="1" sz="1600" kern="1200">
+                <a:solidFill>
+                  <a:schemeClr val="tx1"/>
+                </a:solidFill>
+                <a:latin typeface="+mn-lt"/>
+                <a:ea typeface="+mn-ea"/>
+                <a:cs typeface="+mn-cs"/>
+              </a:defRPr>
+            </a:lvl5pPr>
+            <a:lvl6pPr marL="1600000" indent="-228600" algn="l" defTabSz="914400" rtl="0" eaLnBrk="1" latinLnBrk="0" hangingPunct="1">
+              <a:lnSpc>
+                <a:spcPct val="90000"/>
+              </a:lnSpc>
+              <a:spcBef>
+                <a:spcPts val="400"/>
+              </a:spcBef>
+              <a:spcAft>
+                <a:spcPts val="200"/>
+              </a:spcAft>
+              <a:buClr>
+                <a:schemeClr val="accent1">
+                  <a:lumMod val="75000"/>
+                </a:schemeClr>
+              </a:buClr>
+              <a:buSzPct val="85000"/>
+              <a:buFont typeface="Wingdings" pitchFamily="2" charset="2"/>
+              <a:buChar char="§"/>
+              <a:defRPr kumimoji="1" sz="1600" kern="1200">
+                <a:solidFill>
+                  <a:schemeClr val="tx1"/>
+                </a:solidFill>
+                <a:latin typeface="+mn-lt"/>
+                <a:ea typeface="+mn-ea"/>
+                <a:cs typeface="+mn-cs"/>
+              </a:defRPr>
+            </a:lvl6pPr>
+            <a:lvl7pPr marL="1900000" indent="-228600" algn="l" defTabSz="914400" rtl="0" eaLnBrk="1" latinLnBrk="0" hangingPunct="1">
+              <a:lnSpc>
+                <a:spcPct val="90000"/>
+              </a:lnSpc>
+              <a:spcBef>
+                <a:spcPts val="400"/>
+              </a:spcBef>
+              <a:spcAft>
+                <a:spcPts val="200"/>
+              </a:spcAft>
+              <a:buClr>
+                <a:schemeClr val="accent1">
+                  <a:lumMod val="75000"/>
+                </a:schemeClr>
+              </a:buClr>
+              <a:buSzPct val="85000"/>
+              <a:buFont typeface="Wingdings" pitchFamily="2" charset="2"/>
+              <a:buChar char="§"/>
+              <a:defRPr kumimoji="1" sz="1600" kern="1200">
+                <a:solidFill>
+                  <a:schemeClr val="tx1"/>
+                </a:solidFill>
+                <a:latin typeface="+mn-lt"/>
+                <a:ea typeface="+mn-ea"/>
+                <a:cs typeface="+mn-cs"/>
+              </a:defRPr>
+            </a:lvl7pPr>
+            <a:lvl8pPr marL="2200000" indent="-228600" algn="l" defTabSz="914400" rtl="0" eaLnBrk="1" latinLnBrk="0" hangingPunct="1">
+              <a:lnSpc>
+                <a:spcPct val="90000"/>
+              </a:lnSpc>
+              <a:spcBef>
+                <a:spcPts val="400"/>
+              </a:spcBef>
+              <a:spcAft>
+                <a:spcPts val="200"/>
+              </a:spcAft>
+              <a:buClr>
+                <a:schemeClr val="accent1">
+                  <a:lumMod val="75000"/>
+                </a:schemeClr>
+              </a:buClr>
+              <a:buSzPct val="85000"/>
+              <a:buFont typeface="Wingdings" pitchFamily="2" charset="2"/>
+              <a:buChar char="§"/>
+              <a:defRPr kumimoji="1" sz="1600" kern="1200">
+                <a:solidFill>
+                  <a:schemeClr val="tx1"/>
+                </a:solidFill>
+                <a:latin typeface="+mn-lt"/>
+                <a:ea typeface="+mn-ea"/>
+                <a:cs typeface="+mn-cs"/>
+              </a:defRPr>
+            </a:lvl8pPr>
+            <a:lvl9pPr marL="2500000" indent="-228600" algn="l" defTabSz="914400" rtl="0" eaLnBrk="1" latinLnBrk="0" hangingPunct="1">
+              <a:lnSpc>
+                <a:spcPct val="90000"/>
+              </a:lnSpc>
+              <a:spcBef>
+                <a:spcPts val="400"/>
+              </a:spcBef>
+              <a:spcAft>
+                <a:spcPts val="200"/>
+              </a:spcAft>
+              <a:buClr>
+                <a:schemeClr val="accent1">
+                  <a:lumMod val="75000"/>
+                </a:schemeClr>
+              </a:buClr>
+              <a:buSzPct val="85000"/>
+              <a:buFont typeface="Wingdings" pitchFamily="2" charset="2"/>
+              <a:buChar char="§"/>
+              <a:defRPr kumimoji="1" sz="1600" kern="1200">
+                <a:solidFill>
+                  <a:schemeClr val="tx1"/>
+                </a:solidFill>
+                <a:latin typeface="+mn-lt"/>
+                <a:ea typeface="+mn-ea"/>
+                <a:cs typeface="+mn-cs"/>
+              </a:defRPr>
+            </a:lvl9pPr>
+          </a:lstStyle>
+          <a:p>
+            <a:pPr marL="0" indent="0">
+              <a:buFont typeface="Wingdings" pitchFamily="2" charset="2"/>
+              <a:buNone/>
+            </a:pPr>
+            <a:r>
+              <a:rPr lang="ja-JP" altLang="en-US"/>
+              <a:t>プロジェクトメンバー</a:t>
+            </a:r>
+            <a:endParaRPr lang="en-US" altLang="ja-JP" dirty="0"/>
+          </a:p>
+        </p:txBody>
+      </p:sp>
+      <p:cxnSp>
+        <p:nvCxnSpPr>
+          <p:cNvPr id="13" name="カギ線コネクタ 12">
+            <a:extLst>
+              <a:ext uri="{FF2B5EF4-FFF2-40B4-BE49-F238E27FC236}">
+                <a16:creationId xmlns:a16="http://schemas.microsoft.com/office/drawing/2014/main" id="{BC653B80-399E-9B4A-7B04-27E6FC102980}"/>
+              </a:ext>
+            </a:extLst>
+          </p:cNvPr>
+          <p:cNvCxnSpPr>
+            <a:cxnSpLocks/>
+            <a:endCxn id="5" idx="0"/>
+          </p:cNvCxnSpPr>
+          <p:nvPr/>
+        </p:nvCxnSpPr>
+        <p:spPr>
+          <a:xfrm rot="5400000">
+            <a:off x="5716452" y="4075859"/>
+            <a:ext cx="759099" cy="1"/>
+          </a:xfrm>
+          <a:prstGeom prst="bentConnector3">
+            <a:avLst/>
+          </a:prstGeom>
+          <a:ln w="41275">
+            <a:solidFill>
+              <a:schemeClr val="tx1"/>
+            </a:solidFill>
+          </a:ln>
+        </p:spPr>
+        <p:style>
+          <a:lnRef idx="1">
+            <a:schemeClr val="accent1"/>
+          </a:lnRef>
+          <a:fillRef idx="0">
+            <a:schemeClr val="accent1"/>
+          </a:fillRef>
+          <a:effectRef idx="0">
+            <a:schemeClr val="accent1"/>
+          </a:effectRef>
+          <a:fontRef idx="minor">
+            <a:schemeClr val="tx1"/>
+          </a:fontRef>
+        </p:style>
+      </p:cxnSp>
+      <p:cxnSp>
+        <p:nvCxnSpPr>
+          <p:cNvPr id="17" name="カギ線コネクタ 16">
+            <a:extLst>
+              <a:ext uri="{FF2B5EF4-FFF2-40B4-BE49-F238E27FC236}">
+                <a16:creationId xmlns:a16="http://schemas.microsoft.com/office/drawing/2014/main" id="{97147CFB-E3DF-B0D4-CBEA-374BCB071888}"/>
+              </a:ext>
+            </a:extLst>
+          </p:cNvPr>
+          <p:cNvCxnSpPr>
+            <a:cxnSpLocks/>
+            <a:stCxn id="5" idx="2"/>
+            <a:endCxn id="8" idx="0"/>
+          </p:cNvCxnSpPr>
+          <p:nvPr/>
+        </p:nvCxnSpPr>
+        <p:spPr>
+          <a:xfrm rot="5400000">
+            <a:off x="5511156" y="5404049"/>
+            <a:ext cx="1169689" cy="1"/>
+          </a:xfrm>
+          <a:prstGeom prst="bentConnector3">
+            <a:avLst>
+              <a:gd name="adj1" fmla="val 50000"/>
+            </a:avLst>
+          </a:prstGeom>
+          <a:ln w="41275">
+            <a:solidFill>
+              <a:schemeClr val="tx1"/>
+            </a:solidFill>
+          </a:ln>
+        </p:spPr>
+        <p:style>
+          <a:lnRef idx="1">
+            <a:schemeClr val="accent1"/>
+          </a:lnRef>
+          <a:fillRef idx="0">
+            <a:schemeClr val="accent1"/>
+          </a:fillRef>
+          <a:effectRef idx="0">
+            <a:schemeClr val="accent1"/>
+          </a:effectRef>
+          <a:fontRef idx="minor">
+            <a:schemeClr val="tx1"/>
+          </a:fontRef>
+        </p:style>
+      </p:cxnSp>
+      <p:cxnSp>
+        <p:nvCxnSpPr>
+          <p:cNvPr id="19" name="カギ線コネクタ 18">
+            <a:extLst>
+              <a:ext uri="{FF2B5EF4-FFF2-40B4-BE49-F238E27FC236}">
+                <a16:creationId xmlns:a16="http://schemas.microsoft.com/office/drawing/2014/main" id="{F6C81DE2-E2D4-EA10-F000-1270A5985B16}"/>
+              </a:ext>
+            </a:extLst>
+          </p:cNvPr>
+          <p:cNvCxnSpPr>
+            <a:cxnSpLocks/>
+            <a:stCxn id="9" idx="0"/>
+            <a:endCxn id="7" idx="0"/>
+          </p:cNvCxnSpPr>
+          <p:nvPr/>
+        </p:nvCxnSpPr>
+        <p:spPr>
+          <a:xfrm rot="16200000" flipV="1">
+            <a:off x="6031905" y="2400167"/>
+            <a:ext cx="55280" cy="7233442"/>
+          </a:xfrm>
+          <a:prstGeom prst="bentConnector3">
+            <a:avLst>
+              <a:gd name="adj1" fmla="val 1052920"/>
+            </a:avLst>
+          </a:prstGeom>
+          <a:ln w="41275">
+            <a:solidFill>
+              <a:schemeClr val="tx1"/>
+            </a:solidFill>
+          </a:ln>
+        </p:spPr>
+        <p:style>
+          <a:lnRef idx="1">
+            <a:schemeClr val="accent1"/>
+          </a:lnRef>
+          <a:fillRef idx="0">
+            <a:schemeClr val="accent1"/>
+          </a:fillRef>
+          <a:effectRef idx="0">
+            <a:schemeClr val="accent1"/>
+          </a:effectRef>
+          <a:fontRef idx="minor">
+            <a:schemeClr val="tx1"/>
+          </a:fontRef>
+        </p:style>
+      </p:cxnSp>
+      <p:cxnSp>
+        <p:nvCxnSpPr>
+          <p:cNvPr id="31" name="カギ線コネクタ 30">
+            <a:extLst>
+              <a:ext uri="{FF2B5EF4-FFF2-40B4-BE49-F238E27FC236}">
+                <a16:creationId xmlns:a16="http://schemas.microsoft.com/office/drawing/2014/main" id="{566E1346-33CF-E7EF-0DA3-17EDE5740D35}"/>
+              </a:ext>
+            </a:extLst>
+          </p:cNvPr>
+          <p:cNvCxnSpPr>
+            <a:cxnSpLocks/>
+            <a:endCxn id="3" idx="0"/>
+          </p:cNvCxnSpPr>
+          <p:nvPr/>
+        </p:nvCxnSpPr>
+        <p:spPr>
+          <a:xfrm rot="5400000">
+            <a:off x="5702742" y="2932800"/>
+            <a:ext cx="792971" cy="6453"/>
+          </a:xfrm>
+          <a:prstGeom prst="bentConnector3">
+            <a:avLst/>
+          </a:prstGeom>
+          <a:ln w="41275">
+            <a:solidFill>
+              <a:schemeClr val="tx1"/>
+            </a:solidFill>
+          </a:ln>
+        </p:spPr>
+        <p:style>
+          <a:lnRef idx="1">
+            <a:schemeClr val="accent1"/>
+          </a:lnRef>
+          <a:fillRef idx="0">
+            <a:schemeClr val="accent1"/>
+          </a:fillRef>
+          <a:effectRef idx="0">
+            <a:schemeClr val="accent1"/>
+          </a:effectRef>
+          <a:fontRef idx="minor">
+            <a:schemeClr val="tx1"/>
+          </a:fontRef>
+        </p:style>
+      </p:cxnSp>
+      <p:sp>
+        <p:nvSpPr>
+          <p:cNvPr id="38" name="コンテンツ プレースホルダー 2">
+            <a:extLst>
+              <a:ext uri="{FF2B5EF4-FFF2-40B4-BE49-F238E27FC236}">
+                <a16:creationId xmlns:a16="http://schemas.microsoft.com/office/drawing/2014/main" id="{6460833A-4709-9D03-C30D-8D702E76AC18}"/>
+              </a:ext>
+            </a:extLst>
+          </p:cNvPr>
+          <p:cNvSpPr txBox="1">
+            <a:spLocks/>
+          </p:cNvSpPr>
+          <p:nvPr/>
+        </p:nvSpPr>
+        <p:spPr>
+          <a:xfrm>
+            <a:off x="4066284" y="2192123"/>
+            <a:ext cx="4072148" cy="347416"/>
+          </a:xfrm>
+          <a:prstGeom prst="rect">
+            <a:avLst/>
+          </a:prstGeom>
+          <a:blipFill>
+            <a:blip r:embed="rId2"/>
+            <a:tile tx="0" ty="0" sx="100000" sy="100000" flip="none" algn="tl"/>
+          </a:blipFill>
+          <a:ln>
+            <a:solidFill>
+              <a:schemeClr val="accent1"/>
+            </a:solidFill>
+          </a:ln>
+        </p:spPr>
+        <p:txBody>
+          <a:bodyPr vert="horz" lIns="91440" tIns="45720" rIns="91440" bIns="45720" rtlCol="0">
+            <a:noAutofit/>
+          </a:bodyPr>
+          <a:lstStyle>
+            <a:lvl1pPr marL="182880" indent="-182880" algn="l" defTabSz="914400" rtl="0" eaLnBrk="1" latinLnBrk="0" hangingPunct="1">
+              <a:lnSpc>
+                <a:spcPct val="90000"/>
+              </a:lnSpc>
+              <a:spcBef>
+                <a:spcPts val="1200"/>
+              </a:spcBef>
+              <a:buClr>
+                <a:schemeClr val="accent1">
+                  <a:lumMod val="75000"/>
+                </a:schemeClr>
+              </a:buClr>
+              <a:buSzPct val="85000"/>
+              <a:buFont typeface="Wingdings" pitchFamily="2" charset="2"/>
+              <a:buChar char="§"/>
+              <a:defRPr kumimoji="1" sz="2000" kern="1200">
+                <a:solidFill>
+                  <a:schemeClr val="tx1"/>
+                </a:solidFill>
+                <a:latin typeface="+mn-lt"/>
+                <a:ea typeface="+mn-ea"/>
+                <a:cs typeface="+mn-cs"/>
+              </a:defRPr>
+            </a:lvl1pPr>
+            <a:lvl2pPr marL="457200" indent="-182880" algn="l" defTabSz="914400" rtl="0" eaLnBrk="1" latinLnBrk="0" hangingPunct="1">
+              <a:lnSpc>
+                <a:spcPct val="90000"/>
+              </a:lnSpc>
+              <a:spcBef>
+                <a:spcPts val="400"/>
+              </a:spcBef>
+              <a:spcAft>
+                <a:spcPts val="200"/>
+              </a:spcAft>
+              <a:buClr>
+                <a:schemeClr val="accent1">
+                  <a:lumMod val="75000"/>
+                </a:schemeClr>
+              </a:buClr>
+              <a:buSzPct val="85000"/>
+              <a:buFont typeface="Wingdings" pitchFamily="2" charset="2"/>
+              <a:buChar char="§"/>
+              <a:defRPr kumimoji="1" sz="1800" kern="1200">
+                <a:solidFill>
+                  <a:schemeClr val="tx1"/>
+                </a:solidFill>
+                <a:latin typeface="+mn-lt"/>
+                <a:ea typeface="+mn-ea"/>
+                <a:cs typeface="+mn-cs"/>
+              </a:defRPr>
+            </a:lvl2pPr>
+            <a:lvl3pPr marL="731520" indent="-182880" algn="l" defTabSz="914400" rtl="0" eaLnBrk="1" latinLnBrk="0" hangingPunct="1">
+              <a:lnSpc>
+                <a:spcPct val="90000"/>
+              </a:lnSpc>
+              <a:spcBef>
+                <a:spcPts val="400"/>
+              </a:spcBef>
+              <a:spcAft>
+                <a:spcPts val="200"/>
+              </a:spcAft>
+              <a:buClr>
+                <a:schemeClr val="accent1">
+                  <a:lumMod val="75000"/>
+                </a:schemeClr>
+              </a:buClr>
+              <a:buSzPct val="85000"/>
+              <a:buFont typeface="Wingdings" pitchFamily="2" charset="2"/>
+              <a:buChar char="§"/>
+              <a:defRPr kumimoji="1" sz="1600" kern="1200">
+                <a:solidFill>
+                  <a:schemeClr val="tx1"/>
+                </a:solidFill>
+                <a:latin typeface="+mn-lt"/>
+                <a:ea typeface="+mn-ea"/>
+                <a:cs typeface="+mn-cs"/>
+              </a:defRPr>
+            </a:lvl3pPr>
+            <a:lvl4pPr marL="1005840" indent="-182880" algn="l" defTabSz="914400" rtl="0" eaLnBrk="1" latinLnBrk="0" hangingPunct="1">
+              <a:lnSpc>
+                <a:spcPct val="90000"/>
+              </a:lnSpc>
+              <a:spcBef>
+                <a:spcPts val="400"/>
+              </a:spcBef>
+              <a:spcAft>
+                <a:spcPts val="200"/>
+              </a:spcAft>
+              <a:buClr>
+                <a:schemeClr val="accent1">
+                  <a:lumMod val="75000"/>
+                </a:schemeClr>
+              </a:buClr>
+              <a:buSzPct val="85000"/>
+              <a:buFont typeface="Wingdings" pitchFamily="2" charset="2"/>
+              <a:buChar char="§"/>
+              <a:defRPr kumimoji="1" sz="1600" kern="1200">
+                <a:solidFill>
+                  <a:schemeClr val="tx1"/>
+                </a:solidFill>
+                <a:latin typeface="+mn-lt"/>
+                <a:ea typeface="+mn-ea"/>
+                <a:cs typeface="+mn-cs"/>
+              </a:defRPr>
+            </a:lvl4pPr>
+            <a:lvl5pPr marL="1280160" indent="-182880" algn="l" defTabSz="914400" rtl="0" eaLnBrk="1" latinLnBrk="0" hangingPunct="1">
+              <a:lnSpc>
+                <a:spcPct val="90000"/>
+              </a:lnSpc>
+              <a:spcBef>
+                <a:spcPts val="400"/>
+              </a:spcBef>
+              <a:spcAft>
+                <a:spcPts val="200"/>
+              </a:spcAft>
+              <a:buClr>
+                <a:schemeClr val="accent1">
+                  <a:lumMod val="75000"/>
+                </a:schemeClr>
+              </a:buClr>
+              <a:buSzPct val="85000"/>
+              <a:buFont typeface="Wingdings" pitchFamily="2" charset="2"/>
+              <a:buChar char="§"/>
+              <a:defRPr kumimoji="1" sz="1600" kern="1200">
+                <a:solidFill>
+                  <a:schemeClr val="tx1"/>
+                </a:solidFill>
+                <a:latin typeface="+mn-lt"/>
+                <a:ea typeface="+mn-ea"/>
+                <a:cs typeface="+mn-cs"/>
+              </a:defRPr>
+            </a:lvl5pPr>
+            <a:lvl6pPr marL="1600000" indent="-228600" algn="l" defTabSz="914400" rtl="0" eaLnBrk="1" latinLnBrk="0" hangingPunct="1">
+              <a:lnSpc>
+                <a:spcPct val="90000"/>
+              </a:lnSpc>
+              <a:spcBef>
+                <a:spcPts val="400"/>
+              </a:spcBef>
+              <a:spcAft>
+                <a:spcPts val="200"/>
+              </a:spcAft>
+              <a:buClr>
+                <a:schemeClr val="accent1">
+                  <a:lumMod val="75000"/>
+                </a:schemeClr>
+              </a:buClr>
+              <a:buSzPct val="85000"/>
+              <a:buFont typeface="Wingdings" pitchFamily="2" charset="2"/>
+              <a:buChar char="§"/>
+              <a:defRPr kumimoji="1" sz="1600" kern="1200">
+                <a:solidFill>
+                  <a:schemeClr val="tx1"/>
+                </a:solidFill>
+                <a:latin typeface="+mn-lt"/>
+                <a:ea typeface="+mn-ea"/>
+                <a:cs typeface="+mn-cs"/>
+              </a:defRPr>
+            </a:lvl6pPr>
+            <a:lvl7pPr marL="1900000" indent="-228600" algn="l" defTabSz="914400" rtl="0" eaLnBrk="1" latinLnBrk="0" hangingPunct="1">
+              <a:lnSpc>
+                <a:spcPct val="90000"/>
+              </a:lnSpc>
+              <a:spcBef>
+                <a:spcPts val="400"/>
+              </a:spcBef>
+              <a:spcAft>
+                <a:spcPts val="200"/>
+              </a:spcAft>
+              <a:buClr>
+                <a:schemeClr val="accent1">
+                  <a:lumMod val="75000"/>
+                </a:schemeClr>
+              </a:buClr>
+              <a:buSzPct val="85000"/>
+              <a:buFont typeface="Wingdings" pitchFamily="2" charset="2"/>
+              <a:buChar char="§"/>
+              <a:defRPr kumimoji="1" sz="1600" kern="1200">
+                <a:solidFill>
+                  <a:schemeClr val="tx1"/>
+                </a:solidFill>
+                <a:latin typeface="+mn-lt"/>
+                <a:ea typeface="+mn-ea"/>
+                <a:cs typeface="+mn-cs"/>
+              </a:defRPr>
+            </a:lvl7pPr>
+            <a:lvl8pPr marL="2200000" indent="-228600" algn="l" defTabSz="914400" rtl="0" eaLnBrk="1" latinLnBrk="0" hangingPunct="1">
+              <a:lnSpc>
+                <a:spcPct val="90000"/>
+              </a:lnSpc>
+              <a:spcBef>
+                <a:spcPts val="400"/>
+              </a:spcBef>
+              <a:spcAft>
+                <a:spcPts val="200"/>
+              </a:spcAft>
+              <a:buClr>
+                <a:schemeClr val="accent1">
+                  <a:lumMod val="75000"/>
+                </a:schemeClr>
+              </a:buClr>
+              <a:buSzPct val="85000"/>
+              <a:buFont typeface="Wingdings" pitchFamily="2" charset="2"/>
+              <a:buChar char="§"/>
+              <a:defRPr kumimoji="1" sz="1600" kern="1200">
+                <a:solidFill>
+                  <a:schemeClr val="tx1"/>
+                </a:solidFill>
+                <a:latin typeface="+mn-lt"/>
+                <a:ea typeface="+mn-ea"/>
+                <a:cs typeface="+mn-cs"/>
+              </a:defRPr>
+            </a:lvl8pPr>
+            <a:lvl9pPr marL="2500000" indent="-228600" algn="l" defTabSz="914400" rtl="0" eaLnBrk="1" latinLnBrk="0" hangingPunct="1">
+              <a:lnSpc>
+                <a:spcPct val="90000"/>
+              </a:lnSpc>
+              <a:spcBef>
+                <a:spcPts val="400"/>
+              </a:spcBef>
+              <a:spcAft>
+                <a:spcPts val="200"/>
+              </a:spcAft>
+              <a:buClr>
+                <a:schemeClr val="accent1">
+                  <a:lumMod val="75000"/>
+                </a:schemeClr>
+              </a:buClr>
+              <a:buSzPct val="85000"/>
+              <a:buFont typeface="Wingdings" pitchFamily="2" charset="2"/>
+              <a:buChar char="§"/>
+              <a:defRPr kumimoji="1" sz="1600" kern="1200">
+                <a:solidFill>
+                  <a:schemeClr val="tx1"/>
+                </a:solidFill>
+                <a:latin typeface="+mn-lt"/>
+                <a:ea typeface="+mn-ea"/>
+                <a:cs typeface="+mn-cs"/>
+              </a:defRPr>
+            </a:lvl9pPr>
+          </a:lstStyle>
+          <a:p>
+            <a:pPr marL="0" indent="0">
+              <a:buFont typeface="Wingdings" pitchFamily="2" charset="2"/>
+              <a:buNone/>
+            </a:pPr>
+            <a:r>
+              <a:rPr lang="ja-JP" altLang="en-US"/>
+              <a:t>プロジェクト依頼者（オーナー）</a:t>
+            </a:r>
+            <a:endParaRPr lang="en-US" altLang="ja-JP" dirty="0"/>
+          </a:p>
+        </p:txBody>
+      </p:sp>
+      <p:cxnSp>
+        <p:nvCxnSpPr>
+          <p:cNvPr id="15" name="直線コネクタ 14">
+            <a:extLst>
+              <a:ext uri="{FF2B5EF4-FFF2-40B4-BE49-F238E27FC236}">
+                <a16:creationId xmlns:a16="http://schemas.microsoft.com/office/drawing/2014/main" id="{406C6244-EACE-9BF2-DB93-2B70682C9CD9}"/>
+              </a:ext>
+            </a:extLst>
+          </p:cNvPr>
+          <p:cNvCxnSpPr>
+            <a:cxnSpLocks/>
+          </p:cNvCxnSpPr>
+          <p:nvPr/>
+        </p:nvCxnSpPr>
+        <p:spPr>
+          <a:xfrm>
+            <a:off x="8473440" y="2968487"/>
+            <a:ext cx="3718560" cy="0"/>
+          </a:xfrm>
+          <a:prstGeom prst="line">
+            <a:avLst/>
+          </a:prstGeom>
+          <a:ln w="57150">
+            <a:prstDash val="sysDash"/>
+          </a:ln>
+        </p:spPr>
+        <p:style>
+          <a:lnRef idx="1">
+            <a:schemeClr val="accent2"/>
+          </a:lnRef>
+          <a:fillRef idx="0">
+            <a:schemeClr val="accent2"/>
+          </a:fillRef>
+          <a:effectRef idx="0">
+            <a:schemeClr val="accent2"/>
+          </a:effectRef>
+          <a:fontRef idx="minor">
+            <a:schemeClr val="tx1"/>
+          </a:fontRef>
+        </p:style>
+      </p:cxnSp>
+      <p:cxnSp>
+        <p:nvCxnSpPr>
+          <p:cNvPr id="18" name="直線矢印コネクタ 17">
+            <a:extLst>
+              <a:ext uri="{FF2B5EF4-FFF2-40B4-BE49-F238E27FC236}">
+                <a16:creationId xmlns:a16="http://schemas.microsoft.com/office/drawing/2014/main" id="{2293DD0B-8849-72B2-BCA6-3F959C933804}"/>
+              </a:ext>
+            </a:extLst>
+          </p:cNvPr>
+          <p:cNvCxnSpPr>
+            <a:cxnSpLocks/>
+          </p:cNvCxnSpPr>
+          <p:nvPr/>
+        </p:nvCxnSpPr>
+        <p:spPr>
+          <a:xfrm>
+            <a:off x="10598205" y="3029447"/>
+            <a:ext cx="0" cy="2822713"/>
+          </a:xfrm>
+          <a:prstGeom prst="straightConnector1">
+            <a:avLst/>
+          </a:prstGeom>
+          <a:ln>
+            <a:tailEnd type="triangle"/>
+          </a:ln>
+        </p:spPr>
+        <p:style>
+          <a:lnRef idx="1">
+            <a:schemeClr val="accent2"/>
+          </a:lnRef>
+          <a:fillRef idx="0">
+            <a:schemeClr val="accent2"/>
+          </a:fillRef>
+          <a:effectRef idx="0">
+            <a:schemeClr val="accent2"/>
+          </a:effectRef>
+          <a:fontRef idx="minor">
+            <a:schemeClr val="tx1"/>
+          </a:fontRef>
+        </p:style>
+      </p:cxnSp>
+      <p:sp>
+        <p:nvSpPr>
+          <p:cNvPr id="20" name="テキスト ボックス 19">
+            <a:extLst>
+              <a:ext uri="{FF2B5EF4-FFF2-40B4-BE49-F238E27FC236}">
+                <a16:creationId xmlns:a16="http://schemas.microsoft.com/office/drawing/2014/main" id="{CB21DD19-245E-CE29-EAF4-508BF1133CB9}"/>
+              </a:ext>
+            </a:extLst>
+          </p:cNvPr>
+          <p:cNvSpPr txBox="1"/>
+          <p:nvPr/>
+        </p:nvSpPr>
+        <p:spPr>
+          <a:xfrm>
+            <a:off x="9024730" y="4294201"/>
+            <a:ext cx="3167269" cy="369332"/>
+          </a:xfrm>
+          <a:prstGeom prst="rect">
+            <a:avLst/>
+          </a:prstGeom>
+          <a:noFill/>
+        </p:spPr>
+        <p:txBody>
+          <a:bodyPr wrap="square" rtlCol="0">
+            <a:spAutoFit/>
+          </a:bodyPr>
+          <a:lstStyle/>
+          <a:p>
+            <a:r>
+              <a:rPr kumimoji="1" lang="ja-JP" altLang="en-US"/>
+              <a:t>現状の私個人の</a:t>
+            </a:r>
+            <a:r>
+              <a:rPr kumimoji="1" lang="en-US" altLang="ja-JP" dirty="0"/>
+              <a:t>DX</a:t>
+            </a:r>
+            <a:r>
+              <a:rPr kumimoji="1" lang="ja-JP" altLang="en-US"/>
+              <a:t>業務範囲</a:t>
+            </a:r>
+          </a:p>
+        </p:txBody>
+      </p:sp>
+      <p:cxnSp>
+        <p:nvCxnSpPr>
+          <p:cNvPr id="24" name="直線コネクタ 23">
+            <a:extLst>
+              <a:ext uri="{FF2B5EF4-FFF2-40B4-BE49-F238E27FC236}">
+                <a16:creationId xmlns:a16="http://schemas.microsoft.com/office/drawing/2014/main" id="{946CFB03-14EF-61C5-CFA2-A68C1B63C8A8}"/>
+              </a:ext>
+            </a:extLst>
+          </p:cNvPr>
+          <p:cNvCxnSpPr>
+            <a:cxnSpLocks/>
+          </p:cNvCxnSpPr>
+          <p:nvPr/>
+        </p:nvCxnSpPr>
+        <p:spPr>
+          <a:xfrm>
+            <a:off x="6360" y="4130914"/>
+            <a:ext cx="3809439" cy="5905"/>
+          </a:xfrm>
+          <a:prstGeom prst="line">
+            <a:avLst/>
+          </a:prstGeom>
+          <a:ln w="60325">
+            <a:prstDash val="sysDash"/>
+          </a:ln>
+        </p:spPr>
+        <p:style>
+          <a:lnRef idx="1">
+            <a:schemeClr val="accent1"/>
+          </a:lnRef>
+          <a:fillRef idx="0">
+            <a:schemeClr val="accent1"/>
+          </a:fillRef>
+          <a:effectRef idx="0">
+            <a:schemeClr val="accent1"/>
+          </a:effectRef>
+          <a:fontRef idx="minor">
+            <a:schemeClr val="tx1"/>
+          </a:fontRef>
+        </p:style>
+      </p:cxnSp>
+      <p:cxnSp>
+        <p:nvCxnSpPr>
+          <p:cNvPr id="30" name="直線矢印コネクタ 29">
+            <a:extLst>
+              <a:ext uri="{FF2B5EF4-FFF2-40B4-BE49-F238E27FC236}">
+                <a16:creationId xmlns:a16="http://schemas.microsoft.com/office/drawing/2014/main" id="{F217508B-A638-10A8-03F7-B7164B12F39F}"/>
+              </a:ext>
+            </a:extLst>
+          </p:cNvPr>
+          <p:cNvCxnSpPr/>
+          <p:nvPr/>
+        </p:nvCxnSpPr>
+        <p:spPr>
+          <a:xfrm>
+            <a:off x="1069848" y="4136819"/>
+            <a:ext cx="0" cy="1715341"/>
+          </a:xfrm>
+          <a:prstGeom prst="straightConnector1">
+            <a:avLst/>
+          </a:prstGeom>
+          <a:ln>
+            <a:tailEnd type="triangle"/>
+          </a:ln>
+        </p:spPr>
+        <p:style>
+          <a:lnRef idx="1">
+            <a:schemeClr val="accent1"/>
+          </a:lnRef>
+          <a:fillRef idx="0">
+            <a:schemeClr val="accent1"/>
+          </a:fillRef>
+          <a:effectRef idx="0">
+            <a:schemeClr val="accent1"/>
+          </a:effectRef>
+          <a:fontRef idx="minor">
+            <a:schemeClr val="tx1"/>
+          </a:fontRef>
+        </p:style>
+      </p:cxnSp>
+      <p:sp>
+        <p:nvSpPr>
+          <p:cNvPr id="32" name="テキスト ボックス 31">
+            <a:extLst>
+              <a:ext uri="{FF2B5EF4-FFF2-40B4-BE49-F238E27FC236}">
+                <a16:creationId xmlns:a16="http://schemas.microsoft.com/office/drawing/2014/main" id="{D34C82A0-8092-45F0-D7C9-880FD0A87B1F}"/>
+              </a:ext>
+            </a:extLst>
+          </p:cNvPr>
+          <p:cNvSpPr txBox="1"/>
+          <p:nvPr/>
+        </p:nvSpPr>
+        <p:spPr>
+          <a:xfrm>
+            <a:off x="194552" y="4745403"/>
+            <a:ext cx="2718407" cy="369332"/>
+          </a:xfrm>
+          <a:prstGeom prst="rect">
+            <a:avLst/>
+          </a:prstGeom>
+          <a:noFill/>
+        </p:spPr>
+        <p:txBody>
+          <a:bodyPr wrap="square" rtlCol="0">
+            <a:spAutoFit/>
+          </a:bodyPr>
+          <a:lstStyle/>
+          <a:p>
+            <a:r>
+              <a:rPr kumimoji="1" lang="ja-JP" altLang="en-US"/>
+              <a:t>コーディングスキル必須</a:t>
+            </a:r>
+          </a:p>
+        </p:txBody>
+      </p:sp>
+    </p:spTree>
+    <p:extLst>
+      <p:ext uri="{BB962C8B-B14F-4D97-AF65-F5344CB8AC3E}">
+        <p14:creationId xmlns:p14="http://schemas.microsoft.com/office/powerpoint/2010/main" val="1324396135"/>
+      </p:ext>
+    </p:extLst>
+  </p:cSld>
+  <p:clrMapOvr>
+    <a:masterClrMapping/>
+  </p:clrMapOvr>
+</p:sld>
+</file>
+
 <file path=ppt/slides/slide2.xml><?xml version="1.0" encoding="utf-8"?>
 <p:sld xmlns:a="http://schemas.openxmlformats.org/drawingml/2006/main" xmlns:r="http://schemas.openxmlformats.org/officeDocument/2006/relationships" xmlns:p="http://schemas.openxmlformats.org/presentationml/2006/main">
   <p:cSld>
@@ -18423,7 +20423,12 @@
             <p:ph type="title"/>
           </p:nvPr>
         </p:nvSpPr>
-        <p:spPr/>
+        <p:spPr>
+          <a:xfrm>
+            <a:off x="1066800" y="368431"/>
+            <a:ext cx="10058400" cy="1609344"/>
+          </a:xfrm>
+        </p:spPr>
         <p:txBody>
           <a:bodyPr>
             <a:normAutofit fontScale="90000"/>
@@ -18950,8 +20955,8 @@
         </p:nvSpPr>
         <p:spPr>
           <a:xfrm>
-            <a:off x="6803152" y="1825625"/>
-            <a:ext cx="5190067" cy="4321176"/>
+            <a:off x="6365831" y="1825625"/>
+            <a:ext cx="5388848" cy="4321176"/>
           </a:xfrm>
           <a:prstGeom prst="rect">
             <a:avLst/>
@@ -18959,7 +20964,7 @@
         </p:spPr>
         <p:txBody>
           <a:bodyPr vert="horz" lIns="91440" tIns="45720" rIns="91440" bIns="45720" rtlCol="0">
-            <a:normAutofit lnSpcReduction="10000"/>
+            <a:normAutofit/>
           </a:bodyPr>
           <a:lstStyle>
             <a:lvl1pPr marL="228600" indent="-228600" algn="l" defTabSz="914400" rtl="0" eaLnBrk="1" latinLnBrk="0" hangingPunct="1">
@@ -19223,15 +21228,11 @@
             </a:r>
             <a:r>
               <a:rPr lang="ja-JP" altLang="en-US" sz="2000" b="1" dirty="0"/>
-              <a:t>の作業短縮</a:t>
-            </a:r>
-            <a:r>
-              <a:rPr lang="en-US" altLang="ja-JP" sz="2000" b="1" dirty="0"/>
-              <a:t>(</a:t>
-            </a:r>
-            <a:r>
-              <a:rPr lang="ja-JP" altLang="en-US" sz="2000" b="1" dirty="0"/>
-              <a:t>初心者想定）</a:t>
+              <a:t>の</a:t>
+            </a:r>
+            <a:r>
+              <a:rPr lang="ja-JP" altLang="en-US" sz="2000" b="1"/>
+              <a:t>作業短縮</a:t>
             </a:r>
             <a:endParaRPr lang="en-US" altLang="ja-JP" sz="2000" b="1" dirty="0"/>
           </a:p>
@@ -19299,8 +21300,8 @@
         </p:nvSpPr>
         <p:spPr>
           <a:xfrm>
-            <a:off x="6652592" y="1482857"/>
-            <a:ext cx="5393636" cy="5006712"/>
+            <a:off x="6215271" y="1482857"/>
+            <a:ext cx="5539408" cy="5006712"/>
           </a:xfrm>
           <a:prstGeom prst="roundRect">
             <a:avLst/>
@@ -19352,7 +21353,7 @@
         <p:spPr>
           <a:xfrm>
             <a:off x="3462867" y="3671554"/>
-            <a:ext cx="2497667" cy="369332"/>
+            <a:ext cx="2739150" cy="369332"/>
           </a:xfrm>
           <a:prstGeom prst="rect">
             <a:avLst/>
@@ -20285,8 +22286,8 @@
         </p:nvSpPr>
         <p:spPr>
           <a:xfrm>
-            <a:off x="1108213" y="5415657"/>
-            <a:ext cx="9975573" cy="1384995"/>
+            <a:off x="1005376" y="5034965"/>
+            <a:ext cx="10181248" cy="1384995"/>
           </a:xfrm>
           <a:prstGeom prst="rect">
             <a:avLst/>
@@ -20329,6 +22330,30 @@
                 </a:solidFill>
               </a:rPr>
               <a:t>月額料金は必要</a:t>
+            </a:r>
+            <a:r>
+              <a:rPr lang="en-US" altLang="ja-JP" sz="2000" b="1" dirty="0">
+                <a:solidFill>
+                  <a:srgbClr val="FF0000"/>
+                </a:solidFill>
+              </a:rPr>
+              <a:t>(</a:t>
+            </a:r>
+            <a:r>
+              <a:rPr lang="ja-JP" altLang="en-US" sz="2000" b="1">
+                <a:solidFill>
+                  <a:srgbClr val="FF0000"/>
+                </a:solidFill>
+              </a:rPr>
+              <a:t>９シート目参照</a:t>
+            </a:r>
+            <a:r>
+              <a:rPr lang="en-US" altLang="ja-JP" sz="2000" b="1" dirty="0">
+                <a:solidFill>
+                  <a:srgbClr val="FF0000"/>
+                </a:solidFill>
+              </a:rPr>
+              <a:t>)</a:t>
             </a:r>
             <a:endParaRPr kumimoji="1" lang="en-US" altLang="ja-JP" sz="2000" b="1" dirty="0">
               <a:solidFill>
@@ -20759,7 +22784,11 @@
           <a:p>
             <a:r>
               <a:rPr kumimoji="1" lang="ja-JP" altLang="en-US" dirty="0"/>
-              <a:t>現状進めている個人業務</a:t>
+              <a:t>現状</a:t>
+            </a:r>
+            <a:r>
+              <a:rPr kumimoji="1" lang="ja-JP" altLang="en-US"/>
+              <a:t>進めている個人業務</a:t>
             </a:r>
             <a:br>
               <a:rPr kumimoji="1" lang="en-US" altLang="ja-JP" dirty="0"/>
@@ -21350,8 +23379,8 @@
         </p:nvSpPr>
         <p:spPr>
           <a:xfrm>
-            <a:off x="6081089" y="725394"/>
-            <a:ext cx="5142658" cy="5407212"/>
+            <a:off x="6081088" y="725394"/>
+            <a:ext cx="5938633" cy="5407212"/>
           </a:xfrm>
         </p:spPr>
         <p:txBody>
@@ -21450,8 +23479,8 @@
               <a:t>Excel</a:t>
             </a:r>
             <a:r>
-              <a:rPr lang="ja-JP" altLang="en-US" dirty="0"/>
-              <a:t> 等々）</a:t>
+              <a:rPr lang="ja-JP" altLang="en-US"/>
+              <a:t> ）</a:t>
             </a:r>
             <a:endParaRPr lang="en-US" altLang="ja-JP" dirty="0"/>
           </a:p>
@@ -21498,15 +23527,19 @@
             </a:r>
             <a:r>
               <a:rPr lang="ja-JP" altLang="en-US" dirty="0"/>
-              <a:t>エンジニアの活用（</a:t>
+              <a:t>エンジニア</a:t>
+            </a:r>
+            <a:r>
+              <a:rPr lang="ja-JP" altLang="en-US"/>
+              <a:t>の活用（</a:t>
             </a:r>
             <a:r>
               <a:rPr lang="en-US" altLang="ja-JP" dirty="0"/>
               <a:t>Devin</a:t>
             </a:r>
             <a:r>
-              <a:rPr lang="ja-JP" altLang="en-US" dirty="0"/>
-              <a:t>等）</a:t>
+              <a:rPr lang="ja-JP" altLang="en-US"/>
+              <a:t>）</a:t>
             </a:r>
             <a:endParaRPr lang="en-US" altLang="ja-JP" dirty="0"/>
           </a:p>
@@ -21515,8 +23548,12 @@
               <a:buNone/>
             </a:pPr>
             <a:r>
+              <a:rPr kumimoji="1" lang="ja-JP" altLang="en-US"/>
+              <a:t>費用面</a:t>
+            </a:r>
+            <a:r>
               <a:rPr kumimoji="1" lang="ja-JP" altLang="en-US" dirty="0"/>
-              <a:t>こちらの課題としては費用面（サーバーレンタル代・</a:t>
+              <a:t>（サーバーレンタル代・</a:t>
             </a:r>
             <a:r>
               <a:rPr kumimoji="1" lang="en-US" altLang="ja-JP" dirty="0"/>

--- a/InsuranceBillingReportGenerator/内製プログラミングによる業務効率化プレゼンテーション資料.pptx
+++ b/InsuranceBillingReportGenerator/内製プログラミングによる業務効率化プレゼンテーション資料.pptx
@@ -18425,7 +18425,12 @@
             <p:ph type="title"/>
           </p:nvPr>
         </p:nvSpPr>
-        <p:spPr/>
+        <p:spPr>
+          <a:xfrm>
+            <a:off x="1756336" y="362112"/>
+            <a:ext cx="8606418" cy="1609344"/>
+          </a:xfrm>
+        </p:spPr>
         <p:txBody>
           <a:bodyPr/>
           <a:lstStyle/>
@@ -20377,6 +20382,83 @@
           </a:p>
         </p:txBody>
       </p:sp>
+      <p:cxnSp>
+        <p:nvCxnSpPr>
+          <p:cNvPr id="39" name="直線矢印コネクタ 38">
+            <a:extLst>
+              <a:ext uri="{FF2B5EF4-FFF2-40B4-BE49-F238E27FC236}">
+                <a16:creationId xmlns:a16="http://schemas.microsoft.com/office/drawing/2014/main" id="{E496F2D1-E75C-07DB-D093-DF4E85295DB9}"/>
+              </a:ext>
+            </a:extLst>
+          </p:cNvPr>
+          <p:cNvCxnSpPr>
+            <a:cxnSpLocks/>
+            <a:stCxn id="40" idx="3"/>
+          </p:cNvCxnSpPr>
+          <p:nvPr/>
+        </p:nvCxnSpPr>
+        <p:spPr>
+          <a:xfrm flipV="1">
+            <a:off x="2912952" y="3514410"/>
+            <a:ext cx="902847" cy="2768"/>
+          </a:xfrm>
+          <a:prstGeom prst="straightConnector1">
+            <a:avLst/>
+          </a:prstGeom>
+          <a:ln>
+            <a:tailEnd type="triangle"/>
+          </a:ln>
+        </p:spPr>
+        <p:style>
+          <a:lnRef idx="1">
+            <a:schemeClr val="accent1"/>
+          </a:lnRef>
+          <a:fillRef idx="0">
+            <a:schemeClr val="accent1"/>
+          </a:fillRef>
+          <a:effectRef idx="0">
+            <a:schemeClr val="accent1"/>
+          </a:effectRef>
+          <a:fontRef idx="minor">
+            <a:schemeClr val="tx1"/>
+          </a:fontRef>
+        </p:style>
+      </p:cxnSp>
+      <p:sp>
+        <p:nvSpPr>
+          <p:cNvPr id="40" name="テキスト ボックス 39">
+            <a:extLst>
+              <a:ext uri="{FF2B5EF4-FFF2-40B4-BE49-F238E27FC236}">
+                <a16:creationId xmlns:a16="http://schemas.microsoft.com/office/drawing/2014/main" id="{E6A29E93-4FEE-2300-F8DA-CC10BBEBD4B8}"/>
+              </a:ext>
+            </a:extLst>
+          </p:cNvPr>
+          <p:cNvSpPr txBox="1"/>
+          <p:nvPr/>
+        </p:nvSpPr>
+        <p:spPr>
+          <a:xfrm>
+            <a:off x="194552" y="3332512"/>
+            <a:ext cx="2718400" cy="369332"/>
+          </a:xfrm>
+          <a:prstGeom prst="rect">
+            <a:avLst/>
+          </a:prstGeom>
+          <a:noFill/>
+        </p:spPr>
+        <p:txBody>
+          <a:bodyPr wrap="square" rtlCol="0">
+            <a:spAutoFit/>
+          </a:bodyPr>
+          <a:lstStyle/>
+          <a:p>
+            <a:r>
+              <a:rPr kumimoji="1" lang="ja-JP" altLang="en-US"/>
+              <a:t>プログラミング知識必須</a:t>
+            </a:r>
+          </a:p>
+        </p:txBody>
+      </p:sp>
     </p:spTree>
     <p:extLst>
       <p:ext uri="{BB962C8B-B14F-4D97-AF65-F5344CB8AC3E}">
@@ -22538,8 +22620,8 @@
         </p:nvSpPr>
         <p:spPr>
           <a:xfrm>
-            <a:off x="838200" y="1825624"/>
-            <a:ext cx="10515600" cy="4879975"/>
+            <a:off x="838200" y="1825625"/>
+            <a:ext cx="10515600" cy="3721736"/>
           </a:xfrm>
         </p:spPr>
         <p:txBody>
@@ -22728,6 +22810,53 @@
                 <a:srgbClr val="FF0000"/>
               </a:solidFill>
             </a:endParaRPr>
+          </a:p>
+        </p:txBody>
+      </p:sp>
+      <p:sp>
+        <p:nvSpPr>
+          <p:cNvPr id="5" name="テキスト ボックス 4">
+            <a:extLst>
+              <a:ext uri="{FF2B5EF4-FFF2-40B4-BE49-F238E27FC236}">
+                <a16:creationId xmlns:a16="http://schemas.microsoft.com/office/drawing/2014/main" id="{62462C88-DF9F-6CEF-9AF5-A62B407384B4}"/>
+              </a:ext>
+            </a:extLst>
+          </p:cNvPr>
+          <p:cNvSpPr txBox="1"/>
+          <p:nvPr/>
+        </p:nvSpPr>
+        <p:spPr>
+          <a:xfrm>
+            <a:off x="1300480" y="5547361"/>
+            <a:ext cx="9827768" cy="800219"/>
+          </a:xfrm>
+          <a:prstGeom prst="rect">
+            <a:avLst/>
+          </a:prstGeom>
+          <a:noFill/>
+        </p:spPr>
+        <p:txBody>
+          <a:bodyPr wrap="square" rtlCol="0">
+            <a:spAutoFit/>
+          </a:bodyPr>
+          <a:lstStyle/>
+          <a:p>
+            <a:r>
+              <a:rPr lang="ja-JP" altLang="en-US" sz="2800">
+                <a:solidFill>
+                  <a:srgbClr val="FF0000"/>
+                </a:solidFill>
+              </a:rPr>
+              <a:t>１店舗あたり十数時間以上の残業代を削減できる可能性あり</a:t>
+            </a:r>
+            <a:endParaRPr lang="en-US" altLang="ja-JP" sz="2800" dirty="0">
+              <a:solidFill>
+                <a:srgbClr val="FF0000"/>
+              </a:solidFill>
+            </a:endParaRPr>
+          </a:p>
+          <a:p>
+            <a:endParaRPr kumimoji="1" lang="ja-JP" altLang="en-US"/>
           </a:p>
         </p:txBody>
       </p:sp>

--- a/InsuranceBillingReportGenerator/内製プログラミングによる業務効率化プレゼンテーション資料.pptx
+++ b/InsuranceBillingReportGenerator/内製プログラミングによる業務効率化プレゼンテーション資料.pptx
@@ -5172,8 +5172,8 @@
       </dsp:nvSpPr>
       <dsp:spPr>
         <a:xfrm>
-          <a:off x="1848447" y="839000"/>
-          <a:ext cx="392117" cy="91440"/>
+          <a:off x="1953894" y="1007435"/>
+          <a:ext cx="417497" cy="91440"/>
         </a:xfrm>
         <a:custGeom>
           <a:avLst/>
@@ -5187,15 +5187,15 @@
                 <a:pt x="0" y="45720"/>
               </a:moveTo>
               <a:lnTo>
-                <a:pt x="149163" y="45719"/>
+                <a:pt x="159038" y="45719"/>
               </a:lnTo>
             </a:path>
             <a:path>
               <a:moveTo>
-                <a:pt x="242953" y="45719"/>
+                <a:pt x="258459" y="45719"/>
               </a:moveTo>
               <a:lnTo>
-                <a:pt x="392117" y="45720"/>
+                <a:pt x="417497" y="45720"/>
               </a:lnTo>
             </a:path>
           </a:pathLst>
@@ -5252,8 +5252,8 @@
         </a:p>
       </dsp:txBody>
       <dsp:txXfrm>
-        <a:off x="1997610" y="816292"/>
-        <a:ext cx="93790" cy="136856"/>
+        <a:off x="2112932" y="984820"/>
+        <a:ext cx="99421" cy="136669"/>
       </dsp:txXfrm>
     </dsp:sp>
     <dsp:sp modelId="{96A8FEFD-723F-B243-85AA-1B6E722895D0}">
@@ -5263,8 +5263,8 @@
       </dsp:nvSpPr>
       <dsp:spPr>
         <a:xfrm>
-          <a:off x="12346" y="333349"/>
-          <a:ext cx="1837900" cy="1102740"/>
+          <a:off x="7443" y="468680"/>
+          <a:ext cx="1948251" cy="1168950"/>
         </a:xfrm>
         <a:prstGeom prst="rect">
           <a:avLst/>
@@ -5305,7 +5305,7 @@
         </a:fontRef>
       </dsp:style>
       <dsp:txBody>
-        <a:bodyPr spcFirstLastPara="0" vert="horz" wrap="square" lIns="90059" tIns="94532" rIns="90059" bIns="94532" numCol="1" spcCol="1270" anchor="ctr" anchorCtr="0">
+        <a:bodyPr spcFirstLastPara="0" vert="horz" wrap="square" lIns="95466" tIns="100208" rIns="95466" bIns="100208" numCol="1" spcCol="1270" anchor="ctr" anchorCtr="0">
           <a:noAutofit/>
         </a:bodyPr>
         <a:lstStyle/>
@@ -5357,8 +5357,8 @@
         </a:p>
       </dsp:txBody>
       <dsp:txXfrm>
-        <a:off x="12346" y="333349"/>
-        <a:ext cx="1837900" cy="1102740"/>
+        <a:off x="7443" y="468680"/>
+        <a:ext cx="1948251" cy="1168950"/>
       </dsp:txXfrm>
     </dsp:sp>
     <dsp:sp modelId="{80243BE3-408B-2440-8C3B-13A326232306}">
@@ -5368,8 +5368,8 @@
       </dsp:nvSpPr>
       <dsp:spPr>
         <a:xfrm>
-          <a:off x="4109065" y="839000"/>
-          <a:ext cx="392117" cy="91440"/>
+          <a:off x="4350243" y="1007435"/>
+          <a:ext cx="417497" cy="91440"/>
         </a:xfrm>
         <a:custGeom>
           <a:avLst/>
@@ -5383,15 +5383,15 @@
                 <a:pt x="0" y="45720"/>
               </a:moveTo>
               <a:lnTo>
-                <a:pt x="149163" y="45719"/>
+                <a:pt x="159038" y="45719"/>
               </a:lnTo>
             </a:path>
             <a:path>
               <a:moveTo>
-                <a:pt x="242953" y="45719"/>
+                <a:pt x="258459" y="45719"/>
               </a:moveTo>
               <a:lnTo>
-                <a:pt x="392117" y="45720"/>
+                <a:pt x="417497" y="45720"/>
               </a:lnTo>
             </a:path>
           </a:pathLst>
@@ -5448,8 +5448,8 @@
         </a:p>
       </dsp:txBody>
       <dsp:txXfrm>
-        <a:off x="4258228" y="816292"/>
-        <a:ext cx="93790" cy="136856"/>
+        <a:off x="4509282" y="984820"/>
+        <a:ext cx="99421" cy="136669"/>
       </dsp:txXfrm>
     </dsp:sp>
     <dsp:sp modelId="{9C40BB36-4C7A-884A-92AA-E0330AFE4D96}">
@@ -5459,8 +5459,8 @@
       </dsp:nvSpPr>
       <dsp:spPr>
         <a:xfrm>
-          <a:off x="2272964" y="333349"/>
-          <a:ext cx="1837900" cy="1102740"/>
+          <a:off x="2403792" y="468680"/>
+          <a:ext cx="1948251" cy="1168950"/>
         </a:xfrm>
         <a:prstGeom prst="rect">
           <a:avLst/>
@@ -5501,7 +5501,7 @@
         </a:fontRef>
       </dsp:style>
       <dsp:txBody>
-        <a:bodyPr spcFirstLastPara="0" vert="horz" wrap="square" lIns="90059" tIns="94532" rIns="90059" bIns="94532" numCol="1" spcCol="1270" anchor="ctr" anchorCtr="0">
+        <a:bodyPr spcFirstLastPara="0" vert="horz" wrap="square" lIns="95466" tIns="100208" rIns="95466" bIns="100208" numCol="1" spcCol="1270" anchor="ctr" anchorCtr="0">
           <a:noAutofit/>
         </a:bodyPr>
         <a:lstStyle/>
@@ -5545,8 +5545,8 @@
         </a:p>
       </dsp:txBody>
       <dsp:txXfrm>
-        <a:off x="2272964" y="333349"/>
-        <a:ext cx="1837900" cy="1102740"/>
+        <a:off x="2403792" y="468680"/>
+        <a:ext cx="1948251" cy="1168950"/>
       </dsp:txXfrm>
     </dsp:sp>
     <dsp:sp modelId="{30EC5FA0-8A5A-B041-8409-B7A31907348F}">
@@ -5556,8 +5556,8 @@
       </dsp:nvSpPr>
       <dsp:spPr>
         <a:xfrm>
-          <a:off x="6369683" y="839000"/>
-          <a:ext cx="392117" cy="91440"/>
+          <a:off x="6746593" y="1007435"/>
+          <a:ext cx="417497" cy="91440"/>
         </a:xfrm>
         <a:custGeom>
           <a:avLst/>
@@ -5571,15 +5571,15 @@
                 <a:pt x="0" y="45720"/>
               </a:moveTo>
               <a:lnTo>
-                <a:pt x="149163" y="45719"/>
+                <a:pt x="159038" y="45719"/>
               </a:lnTo>
             </a:path>
             <a:path>
               <a:moveTo>
-                <a:pt x="242953" y="45719"/>
+                <a:pt x="258459" y="45719"/>
               </a:moveTo>
               <a:lnTo>
-                <a:pt x="392117" y="45720"/>
+                <a:pt x="417497" y="45720"/>
               </a:lnTo>
             </a:path>
           </a:pathLst>
@@ -5636,8 +5636,8 @@
         </a:p>
       </dsp:txBody>
       <dsp:txXfrm>
-        <a:off x="6518846" y="816292"/>
-        <a:ext cx="93790" cy="136856"/>
+        <a:off x="6905631" y="984820"/>
+        <a:ext cx="99421" cy="136669"/>
       </dsp:txXfrm>
     </dsp:sp>
     <dsp:sp modelId="{420BB9D4-2E19-2B48-9E2F-D616D0D317A4}">
@@ -5647,8 +5647,8 @@
       </dsp:nvSpPr>
       <dsp:spPr>
         <a:xfrm>
-          <a:off x="4533582" y="333349"/>
-          <a:ext cx="1837900" cy="1102740"/>
+          <a:off x="4800141" y="468680"/>
+          <a:ext cx="1948251" cy="1168950"/>
         </a:xfrm>
         <a:prstGeom prst="rect">
           <a:avLst/>
@@ -5689,7 +5689,7 @@
         </a:fontRef>
       </dsp:style>
       <dsp:txBody>
-        <a:bodyPr spcFirstLastPara="0" vert="horz" wrap="square" lIns="90059" tIns="94532" rIns="90059" bIns="94532" numCol="1" spcCol="1270" anchor="ctr" anchorCtr="0">
+        <a:bodyPr spcFirstLastPara="0" vert="horz" wrap="square" lIns="95466" tIns="100208" rIns="95466" bIns="100208" numCol="1" spcCol="1270" anchor="ctr" anchorCtr="0">
           <a:noAutofit/>
         </a:bodyPr>
         <a:lstStyle/>
@@ -5741,8 +5741,8 @@
         </a:p>
       </dsp:txBody>
       <dsp:txXfrm>
-        <a:off x="4533582" y="333349"/>
-        <a:ext cx="1837900" cy="1102740"/>
+        <a:off x="4800141" y="468680"/>
+        <a:ext cx="1948251" cy="1168950"/>
       </dsp:txXfrm>
     </dsp:sp>
     <dsp:sp modelId="{D767B368-261F-EC4A-B206-3563C2CF7AA9}">
@@ -5752,8 +5752,8 @@
       </dsp:nvSpPr>
       <dsp:spPr>
         <a:xfrm>
-          <a:off x="8630301" y="839000"/>
-          <a:ext cx="392117" cy="91440"/>
+          <a:off x="9142942" y="1007435"/>
+          <a:ext cx="417497" cy="91440"/>
         </a:xfrm>
         <a:custGeom>
           <a:avLst/>
@@ -5767,15 +5767,15 @@
                 <a:pt x="0" y="45720"/>
               </a:moveTo>
               <a:lnTo>
-                <a:pt x="149163" y="45719"/>
+                <a:pt x="159038" y="45719"/>
               </a:lnTo>
             </a:path>
             <a:path>
               <a:moveTo>
-                <a:pt x="242953" y="45719"/>
+                <a:pt x="258459" y="45719"/>
               </a:moveTo>
               <a:lnTo>
-                <a:pt x="392117" y="45720"/>
+                <a:pt x="417497" y="45720"/>
               </a:lnTo>
             </a:path>
           </a:pathLst>
@@ -5832,8 +5832,8 @@
         </a:p>
       </dsp:txBody>
       <dsp:txXfrm>
-        <a:off x="8779464" y="816292"/>
-        <a:ext cx="93790" cy="136856"/>
+        <a:off x="9301980" y="984820"/>
+        <a:ext cx="99421" cy="136669"/>
       </dsp:txXfrm>
     </dsp:sp>
     <dsp:sp modelId="{7D61112B-277C-F749-94E7-531380405BD5}">
@@ -5843,8 +5843,8 @@
       </dsp:nvSpPr>
       <dsp:spPr>
         <a:xfrm>
-          <a:off x="6794200" y="333349"/>
-          <a:ext cx="1837900" cy="1102740"/>
+          <a:off x="7196491" y="468680"/>
+          <a:ext cx="1948251" cy="1168950"/>
         </a:xfrm>
         <a:prstGeom prst="rect">
           <a:avLst/>
@@ -5885,7 +5885,7 @@
         </a:fontRef>
       </dsp:style>
       <dsp:txBody>
-        <a:bodyPr spcFirstLastPara="0" vert="horz" wrap="square" lIns="90059" tIns="94532" rIns="90059" bIns="94532" numCol="1" spcCol="1270" anchor="ctr" anchorCtr="0">
+        <a:bodyPr spcFirstLastPara="0" vert="horz" wrap="square" lIns="95466" tIns="100208" rIns="95466" bIns="100208" numCol="1" spcCol="1270" anchor="ctr" anchorCtr="0">
           <a:noAutofit/>
         </a:bodyPr>
         <a:lstStyle/>
@@ -5929,8 +5929,8 @@
         </a:p>
       </dsp:txBody>
       <dsp:txXfrm>
-        <a:off x="6794200" y="333349"/>
-        <a:ext cx="1837900" cy="1102740"/>
+        <a:off x="7196491" y="468680"/>
+        <a:ext cx="1948251" cy="1168950"/>
       </dsp:txXfrm>
     </dsp:sp>
     <dsp:sp modelId="{052EB318-73E3-5E44-873F-45324C27A1A9}">
@@ -5940,8 +5940,8 @@
       </dsp:nvSpPr>
       <dsp:spPr>
         <a:xfrm>
-          <a:off x="931296" y="1434290"/>
-          <a:ext cx="9042472" cy="392117"/>
+          <a:off x="981569" y="1635831"/>
+          <a:ext cx="9585396" cy="417497"/>
         </a:xfrm>
         <a:custGeom>
           <a:avLst/>
@@ -5952,16 +5952,16 @@
           <a:pathLst>
             <a:path>
               <a:moveTo>
-                <a:pt x="9042472" y="0"/>
+                <a:pt x="9585396" y="0"/>
               </a:moveTo>
               <a:lnTo>
-                <a:pt x="9042472" y="213158"/>
+                <a:pt x="9585396" y="225848"/>
               </a:lnTo>
               <a:lnTo>
-                <a:pt x="0" y="213158"/>
+                <a:pt x="0" y="225848"/>
               </a:lnTo>
               <a:lnTo>
-                <a:pt x="0" y="392117"/>
+                <a:pt x="0" y="417497"/>
               </a:lnTo>
             </a:path>
           </a:pathLst>
@@ -6018,8 +6018,8 @@
         </a:p>
       </dsp:txBody>
       <dsp:txXfrm>
-        <a:off x="5226224" y="1561920"/>
-        <a:ext cx="452617" cy="136856"/>
+        <a:off x="5534370" y="1776245"/>
+        <a:ext cx="479793" cy="136669"/>
       </dsp:txXfrm>
     </dsp:sp>
     <dsp:sp modelId="{10F8E672-6478-AA48-A592-A13C57394350}">
@@ -6029,8 +6029,8 @@
       </dsp:nvSpPr>
       <dsp:spPr>
         <a:xfrm>
-          <a:off x="9054818" y="333349"/>
-          <a:ext cx="1837900" cy="1102740"/>
+          <a:off x="9592840" y="468680"/>
+          <a:ext cx="1948251" cy="1168950"/>
         </a:xfrm>
         <a:prstGeom prst="rect">
           <a:avLst/>
@@ -6071,7 +6071,7 @@
         </a:fontRef>
       </dsp:style>
       <dsp:txBody>
-        <a:bodyPr spcFirstLastPara="0" vert="horz" wrap="square" lIns="90059" tIns="94532" rIns="90059" bIns="94532" numCol="1" spcCol="1270" anchor="ctr" anchorCtr="0">
+        <a:bodyPr spcFirstLastPara="0" vert="horz" wrap="square" lIns="95466" tIns="100208" rIns="95466" bIns="100208" numCol="1" spcCol="1270" anchor="ctr" anchorCtr="0">
           <a:noAutofit/>
         </a:bodyPr>
         <a:lstStyle/>
@@ -6131,8 +6131,8 @@
         </a:p>
       </dsp:txBody>
       <dsp:txXfrm>
-        <a:off x="9054818" y="333349"/>
-        <a:ext cx="1837900" cy="1102740"/>
+        <a:off x="9592840" y="468680"/>
+        <a:ext cx="1948251" cy="1168950"/>
       </dsp:txXfrm>
     </dsp:sp>
     <dsp:sp modelId="{36A1F322-96F9-024D-90A5-C796A674B155}">
@@ -6142,8 +6142,8 @@
       </dsp:nvSpPr>
       <dsp:spPr>
         <a:xfrm>
-          <a:off x="1848447" y="2364457"/>
-          <a:ext cx="392117" cy="91440"/>
+          <a:off x="1953894" y="2624484"/>
+          <a:ext cx="417497" cy="91440"/>
         </a:xfrm>
         <a:custGeom>
           <a:avLst/>
@@ -6157,15 +6157,15 @@
                 <a:pt x="0" y="45720"/>
               </a:moveTo>
               <a:lnTo>
-                <a:pt x="149163" y="45719"/>
+                <a:pt x="159038" y="45719"/>
               </a:lnTo>
             </a:path>
             <a:path>
               <a:moveTo>
-                <a:pt x="242953" y="45719"/>
+                <a:pt x="258459" y="45719"/>
               </a:moveTo>
               <a:lnTo>
-                <a:pt x="392117" y="45720"/>
+                <a:pt x="417497" y="45720"/>
               </a:lnTo>
             </a:path>
           </a:pathLst>
@@ -6222,8 +6222,8 @@
         </a:p>
       </dsp:txBody>
       <dsp:txXfrm>
-        <a:off x="1997610" y="2341749"/>
-        <a:ext cx="93790" cy="136856"/>
+        <a:off x="2112932" y="2601869"/>
+        <a:ext cx="99421" cy="136669"/>
       </dsp:txXfrm>
     </dsp:sp>
     <dsp:sp modelId="{0792FD78-7DE7-2042-B6C2-773CBC370413}">
@@ -6233,8 +6233,8 @@
       </dsp:nvSpPr>
       <dsp:spPr>
         <a:xfrm>
-          <a:off x="12346" y="1858807"/>
-          <a:ext cx="1837900" cy="1102740"/>
+          <a:off x="7443" y="2085728"/>
+          <a:ext cx="1948251" cy="1168950"/>
         </a:xfrm>
         <a:prstGeom prst="rect">
           <a:avLst/>
@@ -6275,7 +6275,7 @@
         </a:fontRef>
       </dsp:style>
       <dsp:txBody>
-        <a:bodyPr spcFirstLastPara="0" vert="horz" wrap="square" lIns="90059" tIns="94532" rIns="90059" bIns="94532" numCol="1" spcCol="1270" anchor="ctr" anchorCtr="0">
+        <a:bodyPr spcFirstLastPara="0" vert="horz" wrap="square" lIns="95466" tIns="100208" rIns="95466" bIns="100208" numCol="1" spcCol="1270" anchor="ctr" anchorCtr="0">
           <a:noAutofit/>
         </a:bodyPr>
         <a:lstStyle/>
@@ -6319,8 +6319,8 @@
         </a:p>
       </dsp:txBody>
       <dsp:txXfrm>
-        <a:off x="12346" y="1858807"/>
-        <a:ext cx="1837900" cy="1102740"/>
+        <a:off x="7443" y="2085728"/>
+        <a:ext cx="1948251" cy="1168950"/>
       </dsp:txXfrm>
     </dsp:sp>
     <dsp:sp modelId="{3559AE5E-A718-024A-BEC3-A7BDFC63FA78}">
@@ -6330,8 +6330,8 @@
       </dsp:nvSpPr>
       <dsp:spPr>
         <a:xfrm>
-          <a:off x="4109065" y="2364457"/>
-          <a:ext cx="392117" cy="91440"/>
+          <a:off x="4350243" y="2624484"/>
+          <a:ext cx="417497" cy="91440"/>
         </a:xfrm>
         <a:custGeom>
           <a:avLst/>
@@ -6345,15 +6345,15 @@
                 <a:pt x="0" y="45720"/>
               </a:moveTo>
               <a:lnTo>
-                <a:pt x="149163" y="45719"/>
+                <a:pt x="159038" y="45719"/>
               </a:lnTo>
             </a:path>
             <a:path>
               <a:moveTo>
-                <a:pt x="242953" y="45719"/>
+                <a:pt x="258459" y="45719"/>
               </a:moveTo>
               <a:lnTo>
-                <a:pt x="392117" y="45720"/>
+                <a:pt x="417497" y="45720"/>
               </a:lnTo>
             </a:path>
           </a:pathLst>
@@ -6410,8 +6410,8 @@
         </a:p>
       </dsp:txBody>
       <dsp:txXfrm>
-        <a:off x="4258228" y="2341749"/>
-        <a:ext cx="93790" cy="136856"/>
+        <a:off x="4509282" y="2601869"/>
+        <a:ext cx="99421" cy="136669"/>
       </dsp:txXfrm>
     </dsp:sp>
     <dsp:sp modelId="{242EADA4-126C-0249-AE19-ECE1621846D6}">
@@ -6421,8 +6421,8 @@
       </dsp:nvSpPr>
       <dsp:spPr>
         <a:xfrm>
-          <a:off x="2272964" y="1858807"/>
-          <a:ext cx="1837900" cy="1102740"/>
+          <a:off x="2403792" y="2085728"/>
+          <a:ext cx="1948251" cy="1168950"/>
         </a:xfrm>
         <a:prstGeom prst="rect">
           <a:avLst/>
@@ -6463,7 +6463,7 @@
         </a:fontRef>
       </dsp:style>
       <dsp:txBody>
-        <a:bodyPr spcFirstLastPara="0" vert="horz" wrap="square" lIns="90059" tIns="94532" rIns="90059" bIns="94532" numCol="1" spcCol="1270" anchor="ctr" anchorCtr="0">
+        <a:bodyPr spcFirstLastPara="0" vert="horz" wrap="square" lIns="95466" tIns="100208" rIns="95466" bIns="100208" numCol="1" spcCol="1270" anchor="ctr" anchorCtr="0">
           <a:noAutofit/>
         </a:bodyPr>
         <a:lstStyle/>
@@ -6507,8 +6507,8 @@
         </a:p>
       </dsp:txBody>
       <dsp:txXfrm>
-        <a:off x="2272964" y="1858807"/>
-        <a:ext cx="1837900" cy="1102740"/>
+        <a:off x="2403792" y="2085728"/>
+        <a:ext cx="1948251" cy="1168950"/>
       </dsp:txXfrm>
     </dsp:sp>
     <dsp:sp modelId="{D19C5FCE-21CA-8140-8B5E-F66F1E7EC29C}">
@@ -6518,8 +6518,8 @@
       </dsp:nvSpPr>
       <dsp:spPr>
         <a:xfrm>
-          <a:off x="6369683" y="2364457"/>
-          <a:ext cx="392117" cy="91440"/>
+          <a:off x="6746593" y="2624484"/>
+          <a:ext cx="417497" cy="91440"/>
         </a:xfrm>
         <a:custGeom>
           <a:avLst/>
@@ -6533,15 +6533,15 @@
                 <a:pt x="0" y="45720"/>
               </a:moveTo>
               <a:lnTo>
-                <a:pt x="149163" y="45719"/>
+                <a:pt x="159038" y="45719"/>
               </a:lnTo>
             </a:path>
             <a:path>
               <a:moveTo>
-                <a:pt x="242953" y="45719"/>
+                <a:pt x="258459" y="45719"/>
               </a:moveTo>
               <a:lnTo>
-                <a:pt x="392117" y="45720"/>
+                <a:pt x="417497" y="45720"/>
               </a:lnTo>
             </a:path>
           </a:pathLst>
@@ -6598,8 +6598,8 @@
         </a:p>
       </dsp:txBody>
       <dsp:txXfrm>
-        <a:off x="6518846" y="2341749"/>
-        <a:ext cx="93790" cy="136856"/>
+        <a:off x="6905631" y="2601869"/>
+        <a:ext cx="99421" cy="136669"/>
       </dsp:txXfrm>
     </dsp:sp>
     <dsp:sp modelId="{7690EB0E-5506-EE42-B4A7-D4A8C41BCB86}">
@@ -6609,8 +6609,8 @@
       </dsp:nvSpPr>
       <dsp:spPr>
         <a:xfrm>
-          <a:off x="4533582" y="1858807"/>
-          <a:ext cx="1837900" cy="1102740"/>
+          <a:off x="4800141" y="2085728"/>
+          <a:ext cx="1948251" cy="1168950"/>
         </a:xfrm>
         <a:prstGeom prst="rect">
           <a:avLst/>
@@ -6651,7 +6651,7 @@
         </a:fontRef>
       </dsp:style>
       <dsp:txBody>
-        <a:bodyPr spcFirstLastPara="0" vert="horz" wrap="square" lIns="90059" tIns="94532" rIns="90059" bIns="94532" numCol="1" spcCol="1270" anchor="ctr" anchorCtr="0">
+        <a:bodyPr spcFirstLastPara="0" vert="horz" wrap="square" lIns="95466" tIns="100208" rIns="95466" bIns="100208" numCol="1" spcCol="1270" anchor="ctr" anchorCtr="0">
           <a:noAutofit/>
         </a:bodyPr>
         <a:lstStyle/>
@@ -6703,8 +6703,8 @@
         </a:p>
       </dsp:txBody>
       <dsp:txXfrm>
-        <a:off x="4533582" y="1858807"/>
-        <a:ext cx="1837900" cy="1102740"/>
+        <a:off x="4800141" y="2085728"/>
+        <a:ext cx="1948251" cy="1168950"/>
       </dsp:txXfrm>
     </dsp:sp>
     <dsp:sp modelId="{6D17067C-950D-9840-B22B-7FB84A79DF7D}">
@@ -6714,8 +6714,8 @@
       </dsp:nvSpPr>
       <dsp:spPr>
         <a:xfrm>
-          <a:off x="8630301" y="2364457"/>
-          <a:ext cx="392117" cy="91440"/>
+          <a:off x="9142942" y="2624484"/>
+          <a:ext cx="417497" cy="91440"/>
         </a:xfrm>
         <a:custGeom>
           <a:avLst/>
@@ -6729,15 +6729,15 @@
                 <a:pt x="0" y="45720"/>
               </a:moveTo>
               <a:lnTo>
-                <a:pt x="149163" y="45719"/>
+                <a:pt x="159038" y="45719"/>
               </a:lnTo>
             </a:path>
             <a:path>
               <a:moveTo>
-                <a:pt x="242953" y="45719"/>
+                <a:pt x="258459" y="45719"/>
               </a:moveTo>
               <a:lnTo>
-                <a:pt x="392117" y="45720"/>
+                <a:pt x="417497" y="45720"/>
               </a:lnTo>
             </a:path>
           </a:pathLst>
@@ -6794,8 +6794,8 @@
         </a:p>
       </dsp:txBody>
       <dsp:txXfrm>
-        <a:off x="8779464" y="2341749"/>
-        <a:ext cx="93790" cy="136856"/>
+        <a:off x="9301980" y="2601869"/>
+        <a:ext cx="99421" cy="136669"/>
       </dsp:txXfrm>
     </dsp:sp>
     <dsp:sp modelId="{B8A76640-511A-4241-8B73-7DF7C71E990E}">
@@ -6805,8 +6805,8 @@
       </dsp:nvSpPr>
       <dsp:spPr>
         <a:xfrm>
-          <a:off x="6794200" y="1858807"/>
-          <a:ext cx="1837900" cy="1102740"/>
+          <a:off x="7196491" y="2085728"/>
+          <a:ext cx="1948251" cy="1168950"/>
         </a:xfrm>
         <a:prstGeom prst="rect">
           <a:avLst/>
@@ -6847,7 +6847,7 @@
         </a:fontRef>
       </dsp:style>
       <dsp:txBody>
-        <a:bodyPr spcFirstLastPara="0" vert="horz" wrap="square" lIns="90059" tIns="94532" rIns="90059" bIns="94532" numCol="1" spcCol="1270" anchor="ctr" anchorCtr="0">
+        <a:bodyPr spcFirstLastPara="0" vert="horz" wrap="square" lIns="95466" tIns="100208" rIns="95466" bIns="100208" numCol="1" spcCol="1270" anchor="ctr" anchorCtr="0">
           <a:noAutofit/>
         </a:bodyPr>
         <a:lstStyle/>
@@ -6911,8 +6911,8 @@
         </a:p>
       </dsp:txBody>
       <dsp:txXfrm>
-        <a:off x="6794200" y="1858807"/>
-        <a:ext cx="1837900" cy="1102740"/>
+        <a:off x="7196491" y="2085728"/>
+        <a:ext cx="1948251" cy="1168950"/>
       </dsp:txXfrm>
     </dsp:sp>
     <dsp:sp modelId="{43B930B2-E81A-7C40-B26E-69A2531FFBF4}">
@@ -6922,8 +6922,8 @@
       </dsp:nvSpPr>
       <dsp:spPr>
         <a:xfrm>
-          <a:off x="9054818" y="1858807"/>
-          <a:ext cx="1837900" cy="1102740"/>
+          <a:off x="9592840" y="2085728"/>
+          <a:ext cx="1948251" cy="1168950"/>
         </a:xfrm>
         <a:prstGeom prst="rect">
           <a:avLst/>
@@ -6964,7 +6964,7 @@
         </a:fontRef>
       </dsp:style>
       <dsp:txBody>
-        <a:bodyPr spcFirstLastPara="0" vert="horz" wrap="square" lIns="90059" tIns="94532" rIns="90059" bIns="94532" numCol="1" spcCol="1270" anchor="ctr" anchorCtr="0">
+        <a:bodyPr spcFirstLastPara="0" vert="horz" wrap="square" lIns="95466" tIns="100208" rIns="95466" bIns="100208" numCol="1" spcCol="1270" anchor="ctr" anchorCtr="0">
           <a:noAutofit/>
         </a:bodyPr>
         <a:lstStyle/>
@@ -7024,8 +7024,8 @@
         </a:p>
       </dsp:txBody>
       <dsp:txXfrm>
-        <a:off x="9054818" y="1858807"/>
-        <a:ext cx="1837900" cy="1102740"/>
+        <a:off x="9592840" y="2085728"/>
+        <a:ext cx="1948251" cy="1168950"/>
       </dsp:txXfrm>
     </dsp:sp>
   </dsp:spTree>
@@ -21834,14 +21834,14 @@
             <p:ph idx="1"/>
             <p:extLst>
               <p:ext uri="{D42A27DB-BD31-4B8C-83A1-F6EECF244321}">
-                <p14:modId xmlns:p14="http://schemas.microsoft.com/office/powerpoint/2010/main" val="2808538649"/>
+                <p14:modId xmlns:p14="http://schemas.microsoft.com/office/powerpoint/2010/main" val="2875846377"/>
               </p:ext>
             </p:extLst>
           </p:nvPr>
         </p:nvGraphicFramePr>
         <p:xfrm>
-          <a:off x="643466" y="633637"/>
-          <a:ext cx="10905066" cy="3294898"/>
+          <a:off x="277705" y="592997"/>
+          <a:ext cx="11548535" cy="3723360"/>
         </p:xfrm>
         <a:graphic>
           <a:graphicData uri="http://schemas.openxmlformats.org/drawingml/2006/diagram">
@@ -23508,8 +23508,8 @@
         </p:nvSpPr>
         <p:spPr>
           <a:xfrm>
-            <a:off x="6081088" y="725394"/>
-            <a:ext cx="5938633" cy="5407212"/>
+            <a:off x="5617886" y="725394"/>
+            <a:ext cx="6401835" cy="5407212"/>
           </a:xfrm>
         </p:spPr>
         <p:txBody>
@@ -23553,11 +23553,19 @@
               <a:t>20</a:t>
             </a:r>
             <a:r>
-              <a:rPr kumimoji="1" lang="ja-JP" altLang="en-US" dirty="0"/>
+              <a:rPr kumimoji="1" lang="ja-JP" altLang="en-US"/>
               <a:t>万円</a:t>
             </a:r>
             <a:r>
-              <a:rPr lang="ja-JP" altLang="en-US" dirty="0"/>
+              <a:rPr kumimoji="1" lang="en-US" altLang="ja-JP" dirty="0"/>
+              <a:t>1000</a:t>
+            </a:r>
+            <a:r>
+              <a:rPr kumimoji="1" lang="ja-JP" altLang="en-US"/>
+              <a:t>行</a:t>
+            </a:r>
+            <a:r>
+              <a:rPr lang="ja-JP" altLang="en-US"/>
               <a:t>・</a:t>
             </a:r>
             <a:r>
@@ -23570,7 +23578,23 @@
             </a:r>
             <a:r>
               <a:rPr kumimoji="1" lang="ja-JP" altLang="en-US" dirty="0"/>
-              <a:t>万円以上の規模）</a:t>
+              <a:t>万</a:t>
+            </a:r>
+            <a:r>
+              <a:rPr kumimoji="1" lang="ja-JP" altLang="en-US"/>
+              <a:t>円以上</a:t>
+            </a:r>
+            <a:r>
+              <a:rPr kumimoji="1" lang="en-US" altLang="ja-JP" dirty="0"/>
+              <a:t>6000</a:t>
+            </a:r>
+            <a:r>
+              <a:rPr kumimoji="1" lang="ja-JP" altLang="en-US"/>
+              <a:t>行くらいの</a:t>
+            </a:r>
+            <a:r>
+              <a:rPr kumimoji="1" lang="ja-JP" altLang="en-US" dirty="0"/>
+              <a:t>規模）</a:t>
             </a:r>
             <a:endParaRPr kumimoji="1" lang="en-US" altLang="ja-JP" dirty="0"/>
           </a:p>
@@ -23623,7 +23647,19 @@
             </a:r>
             <a:r>
               <a:rPr lang="ja-JP" altLang="en-US" dirty="0"/>
-              <a:t>自体の性能はそこまで必要なし</a:t>
+              <a:t>自体の性能はそこまで</a:t>
+            </a:r>
+            <a:r>
+              <a:rPr lang="ja-JP" altLang="en-US"/>
+              <a:t>必要なし（</a:t>
+            </a:r>
+            <a:r>
+              <a:rPr lang="en-US" altLang="ja-JP" dirty="0"/>
+              <a:t>SufaceLaptop3</a:t>
+            </a:r>
+            <a:r>
+              <a:rPr lang="ja-JP" altLang="en-US"/>
+              <a:t>等）</a:t>
             </a:r>
             <a:endParaRPr lang="en-US" altLang="ja-JP" dirty="0"/>
           </a:p>
